--- a/універ 20-21 рр/презентації/англійська.pptx
+++ b/універ 20-21 рр/презентації/англійська.pptx
@@ -1,17 +1,11 @@
 
 <file path=ppt/presentation.xml><?xml version="1.0" encoding="utf-8"?>
-<p:presentation xmlns:a="http://schemas.openxmlformats.org/drawingml/2006/main" xmlns:r="http://schemas.openxmlformats.org/officeDocument/2006/relationships" xmlns:p="http://schemas.openxmlformats.org/presentationml/2006/main" saveSubsetFonts="1">
+<p:presentation xmlns:a="http://schemas.openxmlformats.org/drawingml/2006/main" xmlns:r="http://schemas.openxmlformats.org/officeDocument/2006/relationships" xmlns:p="http://schemas.openxmlformats.org/presentationml/2006/main">
   <p:sldMasterIdLst>
-    <p:sldMasterId id="2147483660" r:id="rId1"/>
+    <p:sldMasterId id="2147483648" r:id="rId1"/>
   </p:sldMasterIdLst>
   <p:sldIdLst>
-    <p:sldId id="256" r:id="rId2"/>
-    <p:sldId id="257" r:id="rId3"/>
-    <p:sldId id="258" r:id="rId4"/>
-    <p:sldId id="259" r:id="rId5"/>
-    <p:sldId id="260" r:id="rId6"/>
-    <p:sldId id="261" r:id="rId7"/>
-    <p:sldId id="262" r:id="rId8"/>
+    <p:sldId id="256" r:id="rId3"/>
   </p:sldIdLst>
   <p:sldSz cx="9144000" cy="6858000" type="screen4x3"/>
   <p:notesSz cx="6858000" cy="9144000"/>
@@ -110,11 +104,6 @@
       </a:defRPr>
     </a:lvl9pPr>
   </p:defaultTextStyle>
-  <p:extLst>
-    <p:ext uri="{EFAFB233-063F-42B5-8137-9DF3F51BA10A}">
-      <p15:sldGuideLst xmlns="" xmlns:p15="http://schemas.microsoft.com/office/powerpoint/2012/main"/>
-    </p:ext>
-  </p:extLst>
 </p:presentation>
 </file>
 
@@ -137,13 +126,7 @@
       </p:grpSpPr>
       <p:pic>
         <p:nvPicPr>
-          <p:cNvPr id="8" name="Рисунок 7">
-            <a:extLst>
-              <a:ext uri="{FF2B5EF4-FFF2-40B4-BE49-F238E27FC236}">
-                <a16:creationId xmlns="" xmlns:a16="http://schemas.microsoft.com/office/drawing/2014/main" id="{66BFBD7D-E33E-4C3B-9CF9-92CBD14480F9}"/>
-              </a:ext>
-            </a:extLst>
-          </p:cNvPr>
+          <p:cNvPr id="8" name="Рисунок 7"/>
           <p:cNvPicPr>
             <a:picLocks noChangeAspect="1"/>
           </p:cNvPicPr>
@@ -153,7 +136,7 @@
           <a:blip r:embed="rId2" cstate="print">
             <a:extLst>
               <a:ext uri="{28A0092B-C50C-407E-A947-70E740481C1C}">
-                <a14:useLocalDpi xmlns="" xmlns:a14="http://schemas.microsoft.com/office/drawing/2010/main" val="0"/>
+                <a14:useLocalDpi xmlns:a14="http://schemas.microsoft.com/office/drawing/2010/main" val="0"/>
               </a:ext>
             </a:extLst>
           </a:blip>
@@ -285,8 +268,6 @@
           <a:p>
             <a:fld id="{3574F6E9-F504-4B0B-9B08-16782E9464A5}" type="datetimeFigureOut">
               <a:rPr lang="en-US" smtClean="0"/>
-              <a:pPr/>
-              <a:t>1/13/2021</a:t>
             </a:fld>
             <a:endParaRPr lang="en-US"/>
           </a:p>
@@ -328,19 +309,12 @@
           <a:p>
             <a:fld id="{F49E3C7B-0734-4C1F-B53A-8ABB5D3750BD}" type="slidenum">
               <a:rPr lang="en-US" smtClean="0"/>
-              <a:pPr/>
-              <a:t>‹#›</a:t>
             </a:fld>
             <a:endParaRPr lang="en-US"/>
           </a:p>
         </p:txBody>
       </p:sp>
     </p:spTree>
-    <p:extLst>
-      <p:ext uri="{BB962C8B-B14F-4D97-AF65-F5344CB8AC3E}">
-        <p14:creationId xmlns="" xmlns:p14="http://schemas.microsoft.com/office/powerpoint/2010/main" val="3325747583"/>
-      </p:ext>
-    </p:extLst>
   </p:cSld>
   <p:clrMapOvr>
     <a:masterClrMapping/>
@@ -408,6 +382,7 @@
               <a:rPr lang="ru-RU"/>
               <a:t>Образец текста</a:t>
             </a:r>
+            <a:endParaRPr lang="ru-RU"/>
           </a:p>
           <a:p>
             <a:pPr lvl="1"/>
@@ -415,6 +390,7 @@
               <a:rPr lang="ru-RU"/>
               <a:t>Второй уровень</a:t>
             </a:r>
+            <a:endParaRPr lang="ru-RU"/>
           </a:p>
           <a:p>
             <a:pPr lvl="2"/>
@@ -422,6 +398,7 @@
               <a:rPr lang="ru-RU"/>
               <a:t>Третий уровень</a:t>
             </a:r>
+            <a:endParaRPr lang="ru-RU"/>
           </a:p>
           <a:p>
             <a:pPr lvl="3"/>
@@ -429,6 +406,7 @@
               <a:rPr lang="ru-RU"/>
               <a:t>Четвертый уровень</a:t>
             </a:r>
+            <a:endParaRPr lang="ru-RU"/>
           </a:p>
           <a:p>
             <a:pPr lvl="4"/>
@@ -457,8 +435,6 @@
           <a:p>
             <a:fld id="{3574F6E9-F504-4B0B-9B08-16782E9464A5}" type="datetimeFigureOut">
               <a:rPr lang="en-US" smtClean="0"/>
-              <a:pPr/>
-              <a:t>1/13/2021</a:t>
             </a:fld>
             <a:endParaRPr lang="en-US"/>
           </a:p>
@@ -500,19 +476,12 @@
           <a:p>
             <a:fld id="{F49E3C7B-0734-4C1F-B53A-8ABB5D3750BD}" type="slidenum">
               <a:rPr lang="en-US" smtClean="0"/>
-              <a:pPr/>
-              <a:t>‹#›</a:t>
             </a:fld>
             <a:endParaRPr lang="en-US"/>
           </a:p>
         </p:txBody>
       </p:sp>
     </p:spTree>
-    <p:extLst>
-      <p:ext uri="{BB962C8B-B14F-4D97-AF65-F5344CB8AC3E}">
-        <p14:creationId xmlns="" xmlns:p14="http://schemas.microsoft.com/office/powerpoint/2010/main" val="2744251768"/>
-      </p:ext>
-    </p:extLst>
   </p:cSld>
   <p:clrMapOvr>
     <a:masterClrMapping/>
@@ -590,6 +559,7 @@
               <a:rPr lang="ru-RU"/>
               <a:t>Образец текста</a:t>
             </a:r>
+            <a:endParaRPr lang="ru-RU"/>
           </a:p>
           <a:p>
             <a:pPr lvl="1"/>
@@ -597,6 +567,7 @@
               <a:rPr lang="ru-RU"/>
               <a:t>Второй уровень</a:t>
             </a:r>
+            <a:endParaRPr lang="ru-RU"/>
           </a:p>
           <a:p>
             <a:pPr lvl="2"/>
@@ -604,6 +575,7 @@
               <a:rPr lang="ru-RU"/>
               <a:t>Третий уровень</a:t>
             </a:r>
+            <a:endParaRPr lang="ru-RU"/>
           </a:p>
           <a:p>
             <a:pPr lvl="3"/>
@@ -611,6 +583,7 @@
               <a:rPr lang="ru-RU"/>
               <a:t>Четвертый уровень</a:t>
             </a:r>
+            <a:endParaRPr lang="ru-RU"/>
           </a:p>
           <a:p>
             <a:pPr lvl="4"/>
@@ -639,8 +612,6 @@
           <a:p>
             <a:fld id="{3574F6E9-F504-4B0B-9B08-16782E9464A5}" type="datetimeFigureOut">
               <a:rPr lang="en-US" smtClean="0"/>
-              <a:pPr/>
-              <a:t>1/13/2021</a:t>
             </a:fld>
             <a:endParaRPr lang="en-US"/>
           </a:p>
@@ -682,19 +653,12 @@
           <a:p>
             <a:fld id="{F49E3C7B-0734-4C1F-B53A-8ABB5D3750BD}" type="slidenum">
               <a:rPr lang="en-US" smtClean="0"/>
-              <a:pPr/>
-              <a:t>‹#›</a:t>
             </a:fld>
             <a:endParaRPr lang="en-US"/>
           </a:p>
         </p:txBody>
       </p:sp>
     </p:spTree>
-    <p:extLst>
-      <p:ext uri="{BB962C8B-B14F-4D97-AF65-F5344CB8AC3E}">
-        <p14:creationId xmlns="" xmlns:p14="http://schemas.microsoft.com/office/powerpoint/2010/main" val="1496319926"/>
-      </p:ext>
-    </p:extLst>
   </p:cSld>
   <p:clrMapOvr>
     <a:masterClrMapping/>
@@ -762,6 +726,7 @@
               <a:rPr lang="ru-RU"/>
               <a:t>Образец текста</a:t>
             </a:r>
+            <a:endParaRPr lang="ru-RU"/>
           </a:p>
           <a:p>
             <a:pPr lvl="1"/>
@@ -769,6 +734,7 @@
               <a:rPr lang="ru-RU"/>
               <a:t>Второй уровень</a:t>
             </a:r>
+            <a:endParaRPr lang="ru-RU"/>
           </a:p>
           <a:p>
             <a:pPr lvl="2"/>
@@ -776,6 +742,7 @@
               <a:rPr lang="ru-RU"/>
               <a:t>Третий уровень</a:t>
             </a:r>
+            <a:endParaRPr lang="ru-RU"/>
           </a:p>
           <a:p>
             <a:pPr lvl="3"/>
@@ -783,6 +750,7 @@
               <a:rPr lang="ru-RU"/>
               <a:t>Четвертый уровень</a:t>
             </a:r>
+            <a:endParaRPr lang="ru-RU"/>
           </a:p>
           <a:p>
             <a:pPr lvl="4"/>
@@ -811,8 +779,6 @@
           <a:p>
             <a:fld id="{3574F6E9-F504-4B0B-9B08-16782E9464A5}" type="datetimeFigureOut">
               <a:rPr lang="en-US" smtClean="0"/>
-              <a:pPr/>
-              <a:t>1/13/2021</a:t>
             </a:fld>
             <a:endParaRPr lang="en-US"/>
           </a:p>
@@ -854,19 +820,12 @@
           <a:p>
             <a:fld id="{F49E3C7B-0734-4C1F-B53A-8ABB5D3750BD}" type="slidenum">
               <a:rPr lang="en-US" smtClean="0"/>
-              <a:pPr/>
-              <a:t>‹#›</a:t>
             </a:fld>
             <a:endParaRPr lang="en-US"/>
           </a:p>
         </p:txBody>
       </p:sp>
     </p:spTree>
-    <p:extLst>
-      <p:ext uri="{BB962C8B-B14F-4D97-AF65-F5344CB8AC3E}">
-        <p14:creationId xmlns="" xmlns:p14="http://schemas.microsoft.com/office/powerpoint/2010/main" val="976657186"/>
-      </p:ext>
-    </p:extLst>
   </p:cSld>
   <p:clrMapOvr>
     <a:masterClrMapping/>
@@ -1037,6 +996,7 @@
               <a:rPr lang="ru-RU"/>
               <a:t>Образец текста</a:t>
             </a:r>
+            <a:endParaRPr lang="ru-RU"/>
           </a:p>
         </p:txBody>
       </p:sp>
@@ -1057,8 +1017,6 @@
           <a:p>
             <a:fld id="{3574F6E9-F504-4B0B-9B08-16782E9464A5}" type="datetimeFigureOut">
               <a:rPr lang="en-US" smtClean="0"/>
-              <a:pPr/>
-              <a:t>1/13/2021</a:t>
             </a:fld>
             <a:endParaRPr lang="en-US"/>
           </a:p>
@@ -1100,19 +1058,12 @@
           <a:p>
             <a:fld id="{F49E3C7B-0734-4C1F-B53A-8ABB5D3750BD}" type="slidenum">
               <a:rPr lang="en-US" smtClean="0"/>
-              <a:pPr/>
-              <a:t>‹#›</a:t>
             </a:fld>
             <a:endParaRPr lang="en-US"/>
           </a:p>
         </p:txBody>
       </p:sp>
     </p:spTree>
-    <p:extLst>
-      <p:ext uri="{BB962C8B-B14F-4D97-AF65-F5344CB8AC3E}">
-        <p14:creationId xmlns="" xmlns:p14="http://schemas.microsoft.com/office/powerpoint/2010/main" val="2756110143"/>
-      </p:ext>
-    </p:extLst>
   </p:cSld>
   <p:clrMapOvr>
     <a:masterClrMapping/>
@@ -1185,6 +1136,7 @@
               <a:rPr lang="ru-RU"/>
               <a:t>Образец текста</a:t>
             </a:r>
+            <a:endParaRPr lang="ru-RU"/>
           </a:p>
           <a:p>
             <a:pPr lvl="1"/>
@@ -1192,6 +1144,7 @@
               <a:rPr lang="ru-RU"/>
               <a:t>Второй уровень</a:t>
             </a:r>
+            <a:endParaRPr lang="ru-RU"/>
           </a:p>
           <a:p>
             <a:pPr lvl="2"/>
@@ -1199,6 +1152,7 @@
               <a:rPr lang="ru-RU"/>
               <a:t>Третий уровень</a:t>
             </a:r>
+            <a:endParaRPr lang="ru-RU"/>
           </a:p>
           <a:p>
             <a:pPr lvl="3"/>
@@ -1206,6 +1160,7 @@
               <a:rPr lang="ru-RU"/>
               <a:t>Четвертый уровень</a:t>
             </a:r>
+            <a:endParaRPr lang="ru-RU"/>
           </a:p>
           <a:p>
             <a:pPr lvl="4"/>
@@ -1242,6 +1197,7 @@
               <a:rPr lang="ru-RU"/>
               <a:t>Образец текста</a:t>
             </a:r>
+            <a:endParaRPr lang="ru-RU"/>
           </a:p>
           <a:p>
             <a:pPr lvl="1"/>
@@ -1249,6 +1205,7 @@
               <a:rPr lang="ru-RU"/>
               <a:t>Второй уровень</a:t>
             </a:r>
+            <a:endParaRPr lang="ru-RU"/>
           </a:p>
           <a:p>
             <a:pPr lvl="2"/>
@@ -1256,6 +1213,7 @@
               <a:rPr lang="ru-RU"/>
               <a:t>Третий уровень</a:t>
             </a:r>
+            <a:endParaRPr lang="ru-RU"/>
           </a:p>
           <a:p>
             <a:pPr lvl="3"/>
@@ -1263,6 +1221,7 @@
               <a:rPr lang="ru-RU"/>
               <a:t>Четвертый уровень</a:t>
             </a:r>
+            <a:endParaRPr lang="ru-RU"/>
           </a:p>
           <a:p>
             <a:pPr lvl="4"/>
@@ -1291,8 +1250,6 @@
           <a:p>
             <a:fld id="{3574F6E9-F504-4B0B-9B08-16782E9464A5}" type="datetimeFigureOut">
               <a:rPr lang="en-US" smtClean="0"/>
-              <a:pPr/>
-              <a:t>1/13/2021</a:t>
             </a:fld>
             <a:endParaRPr lang="en-US"/>
           </a:p>
@@ -1334,19 +1291,12 @@
           <a:p>
             <a:fld id="{F49E3C7B-0734-4C1F-B53A-8ABB5D3750BD}" type="slidenum">
               <a:rPr lang="en-US" smtClean="0"/>
-              <a:pPr/>
-              <a:t>‹#›</a:t>
             </a:fld>
             <a:endParaRPr lang="en-US"/>
           </a:p>
         </p:txBody>
       </p:sp>
     </p:spTree>
-    <p:extLst>
-      <p:ext uri="{BB962C8B-B14F-4D97-AF65-F5344CB8AC3E}">
-        <p14:creationId xmlns="" xmlns:p14="http://schemas.microsoft.com/office/powerpoint/2010/main" val="1144047298"/>
-      </p:ext>
-    </p:extLst>
   </p:cSld>
   <p:clrMapOvr>
     <a:masterClrMapping/>
@@ -1461,6 +1411,7 @@
               <a:rPr lang="ru-RU"/>
               <a:t>Образец текста</a:t>
             </a:r>
+            <a:endParaRPr lang="ru-RU"/>
           </a:p>
         </p:txBody>
       </p:sp>
@@ -1489,6 +1440,7 @@
               <a:rPr lang="ru-RU"/>
               <a:t>Образец текста</a:t>
             </a:r>
+            <a:endParaRPr lang="ru-RU"/>
           </a:p>
           <a:p>
             <a:pPr lvl="1"/>
@@ -1496,6 +1448,7 @@
               <a:rPr lang="ru-RU"/>
               <a:t>Второй уровень</a:t>
             </a:r>
+            <a:endParaRPr lang="ru-RU"/>
           </a:p>
           <a:p>
             <a:pPr lvl="2"/>
@@ -1503,6 +1456,7 @@
               <a:rPr lang="ru-RU"/>
               <a:t>Третий уровень</a:t>
             </a:r>
+            <a:endParaRPr lang="ru-RU"/>
           </a:p>
           <a:p>
             <a:pPr lvl="3"/>
@@ -1510,6 +1464,7 @@
               <a:rPr lang="ru-RU"/>
               <a:t>Четвертый уровень</a:t>
             </a:r>
+            <a:endParaRPr lang="ru-RU"/>
           </a:p>
           <a:p>
             <a:pPr lvl="4"/>
@@ -1583,6 +1538,7 @@
               <a:rPr lang="ru-RU"/>
               <a:t>Образец текста</a:t>
             </a:r>
+            <a:endParaRPr lang="ru-RU"/>
           </a:p>
         </p:txBody>
       </p:sp>
@@ -1611,6 +1567,7 @@
               <a:rPr lang="ru-RU"/>
               <a:t>Образец текста</a:t>
             </a:r>
+            <a:endParaRPr lang="ru-RU"/>
           </a:p>
           <a:p>
             <a:pPr lvl="1"/>
@@ -1618,6 +1575,7 @@
               <a:rPr lang="ru-RU"/>
               <a:t>Второй уровень</a:t>
             </a:r>
+            <a:endParaRPr lang="ru-RU"/>
           </a:p>
           <a:p>
             <a:pPr lvl="2"/>
@@ -1625,6 +1583,7 @@
               <a:rPr lang="ru-RU"/>
               <a:t>Третий уровень</a:t>
             </a:r>
+            <a:endParaRPr lang="ru-RU"/>
           </a:p>
           <a:p>
             <a:pPr lvl="3"/>
@@ -1632,6 +1591,7 @@
               <a:rPr lang="ru-RU"/>
               <a:t>Четвертый уровень</a:t>
             </a:r>
+            <a:endParaRPr lang="ru-RU"/>
           </a:p>
           <a:p>
             <a:pPr lvl="4"/>
@@ -1660,8 +1620,6 @@
           <a:p>
             <a:fld id="{3574F6E9-F504-4B0B-9B08-16782E9464A5}" type="datetimeFigureOut">
               <a:rPr lang="en-US" smtClean="0"/>
-              <a:pPr/>
-              <a:t>1/13/2021</a:t>
             </a:fld>
             <a:endParaRPr lang="en-US"/>
           </a:p>
@@ -1703,19 +1661,12 @@
           <a:p>
             <a:fld id="{F49E3C7B-0734-4C1F-B53A-8ABB5D3750BD}" type="slidenum">
               <a:rPr lang="en-US" smtClean="0"/>
-              <a:pPr/>
-              <a:t>‹#›</a:t>
             </a:fld>
             <a:endParaRPr lang="en-US"/>
           </a:p>
         </p:txBody>
       </p:sp>
     </p:spTree>
-    <p:extLst>
-      <p:ext uri="{BB962C8B-B14F-4D97-AF65-F5344CB8AC3E}">
-        <p14:creationId xmlns="" xmlns:p14="http://schemas.microsoft.com/office/powerpoint/2010/main" val="1623734514"/>
-      </p:ext>
-    </p:extLst>
   </p:cSld>
   <p:clrMapOvr>
     <a:masterClrMapping/>
@@ -1780,8 +1731,6 @@
           <a:p>
             <a:fld id="{3574F6E9-F504-4B0B-9B08-16782E9464A5}" type="datetimeFigureOut">
               <a:rPr lang="en-US" smtClean="0"/>
-              <a:pPr/>
-              <a:t>1/13/2021</a:t>
             </a:fld>
             <a:endParaRPr lang="en-US"/>
           </a:p>
@@ -1823,19 +1772,12 @@
           <a:p>
             <a:fld id="{F49E3C7B-0734-4C1F-B53A-8ABB5D3750BD}" type="slidenum">
               <a:rPr lang="en-US" smtClean="0"/>
-              <a:pPr/>
-              <a:t>‹#›</a:t>
             </a:fld>
             <a:endParaRPr lang="en-US"/>
           </a:p>
         </p:txBody>
       </p:sp>
     </p:spTree>
-    <p:extLst>
-      <p:ext uri="{BB962C8B-B14F-4D97-AF65-F5344CB8AC3E}">
-        <p14:creationId xmlns="" xmlns:p14="http://schemas.microsoft.com/office/powerpoint/2010/main" val="1081839359"/>
-      </p:ext>
-    </p:extLst>
   </p:cSld>
   <p:clrMapOvr>
     <a:masterClrMapping/>
@@ -1877,8 +1819,6 @@
           <a:p>
             <a:fld id="{3574F6E9-F504-4B0B-9B08-16782E9464A5}" type="datetimeFigureOut">
               <a:rPr lang="en-US" smtClean="0"/>
-              <a:pPr/>
-              <a:t>1/13/2021</a:t>
             </a:fld>
             <a:endParaRPr lang="en-US"/>
           </a:p>
@@ -1920,19 +1860,12 @@
           <a:p>
             <a:fld id="{F49E3C7B-0734-4C1F-B53A-8ABB5D3750BD}" type="slidenum">
               <a:rPr lang="en-US" smtClean="0"/>
-              <a:pPr/>
-              <a:t>‹#›</a:t>
             </a:fld>
             <a:endParaRPr lang="en-US"/>
           </a:p>
         </p:txBody>
       </p:sp>
     </p:spTree>
-    <p:extLst>
-      <p:ext uri="{BB962C8B-B14F-4D97-AF65-F5344CB8AC3E}">
-        <p14:creationId xmlns="" xmlns:p14="http://schemas.microsoft.com/office/powerpoint/2010/main" val="1553843211"/>
-      </p:ext>
-    </p:extLst>
   </p:cSld>
   <p:clrMapOvr>
     <a:masterClrMapping/>
@@ -2042,6 +1975,7 @@
               <a:rPr lang="ru-RU"/>
               <a:t>Образец текста</a:t>
             </a:r>
+            <a:endParaRPr lang="ru-RU"/>
           </a:p>
           <a:p>
             <a:pPr lvl="1"/>
@@ -2049,6 +1983,7 @@
               <a:rPr lang="ru-RU"/>
               <a:t>Второй уровень</a:t>
             </a:r>
+            <a:endParaRPr lang="ru-RU"/>
           </a:p>
           <a:p>
             <a:pPr lvl="2"/>
@@ -2056,6 +1991,7 @@
               <a:rPr lang="ru-RU"/>
               <a:t>Третий уровень</a:t>
             </a:r>
+            <a:endParaRPr lang="ru-RU"/>
           </a:p>
           <a:p>
             <a:pPr lvl="3"/>
@@ -2063,6 +1999,7 @@
               <a:rPr lang="ru-RU"/>
               <a:t>Четвертый уровень</a:t>
             </a:r>
+            <a:endParaRPr lang="ru-RU"/>
           </a:p>
           <a:p>
             <a:pPr lvl="4"/>
@@ -2136,6 +2073,7 @@
               <a:rPr lang="ru-RU"/>
               <a:t>Образец текста</a:t>
             </a:r>
+            <a:endParaRPr lang="ru-RU"/>
           </a:p>
         </p:txBody>
       </p:sp>
@@ -2156,8 +2094,6 @@
           <a:p>
             <a:fld id="{3574F6E9-F504-4B0B-9B08-16782E9464A5}" type="datetimeFigureOut">
               <a:rPr lang="en-US" smtClean="0"/>
-              <a:pPr/>
-              <a:t>1/13/2021</a:t>
             </a:fld>
             <a:endParaRPr lang="en-US"/>
           </a:p>
@@ -2199,19 +2135,12 @@
           <a:p>
             <a:fld id="{F49E3C7B-0734-4C1F-B53A-8ABB5D3750BD}" type="slidenum">
               <a:rPr lang="en-US" smtClean="0"/>
-              <a:pPr/>
-              <a:t>‹#›</a:t>
             </a:fld>
             <a:endParaRPr lang="en-US"/>
           </a:p>
         </p:txBody>
       </p:sp>
     </p:spTree>
-    <p:extLst>
-      <p:ext uri="{BB962C8B-B14F-4D97-AF65-F5344CB8AC3E}">
-        <p14:creationId xmlns="" xmlns:p14="http://schemas.microsoft.com/office/powerpoint/2010/main" val="1947996920"/>
-      </p:ext>
-    </p:extLst>
   </p:cSld>
   <p:clrMapOvr>
     <a:masterClrMapping/>
@@ -2395,6 +2324,7 @@
               <a:rPr lang="ru-RU"/>
               <a:t>Образец текста</a:t>
             </a:r>
+            <a:endParaRPr lang="ru-RU"/>
           </a:p>
         </p:txBody>
       </p:sp>
@@ -2415,8 +2345,6 @@
           <a:p>
             <a:fld id="{3574F6E9-F504-4B0B-9B08-16782E9464A5}" type="datetimeFigureOut">
               <a:rPr lang="en-US" smtClean="0"/>
-              <a:pPr/>
-              <a:t>1/13/2021</a:t>
             </a:fld>
             <a:endParaRPr lang="en-US"/>
           </a:p>
@@ -2458,19 +2386,12 @@
           <a:p>
             <a:fld id="{F49E3C7B-0734-4C1F-B53A-8ABB5D3750BD}" type="slidenum">
               <a:rPr lang="en-US" smtClean="0"/>
-              <a:pPr/>
-              <a:t>‹#›</a:t>
             </a:fld>
             <a:endParaRPr lang="en-US"/>
           </a:p>
         </p:txBody>
       </p:sp>
     </p:spTree>
-    <p:extLst>
-      <p:ext uri="{BB962C8B-B14F-4D97-AF65-F5344CB8AC3E}">
-        <p14:creationId xmlns="" xmlns:p14="http://schemas.microsoft.com/office/powerpoint/2010/main" val="1049358618"/>
-      </p:ext>
-    </p:extLst>
   </p:cSld>
   <p:clrMapOvr>
     <a:masterClrMapping/>
@@ -2502,23 +2423,17 @@
       </p:grpSpPr>
       <p:pic>
         <p:nvPicPr>
-          <p:cNvPr id="8" name="Рисунок 7">
-            <a:extLst>
-              <a:ext uri="{FF2B5EF4-FFF2-40B4-BE49-F238E27FC236}">
-                <a16:creationId xmlns="" xmlns:a16="http://schemas.microsoft.com/office/drawing/2014/main" id="{275E9287-DE1D-4CAE-8BFB-2F33F21EE20C}"/>
-              </a:ext>
-            </a:extLst>
-          </p:cNvPr>
+          <p:cNvPr id="8" name="Рисунок 7"/>
           <p:cNvPicPr>
             <a:picLocks noChangeAspect="1"/>
           </p:cNvPicPr>
           <p:nvPr userDrawn="1"/>
         </p:nvPicPr>
         <p:blipFill>
-          <a:blip r:embed="rId13" cstate="print">
+          <a:blip r:embed="rId12" cstate="print">
             <a:extLst>
               <a:ext uri="{28A0092B-C50C-407E-A947-70E740481C1C}">
-                <a14:useLocalDpi xmlns="" xmlns:a14="http://schemas.microsoft.com/office/drawing/2010/main" val="0"/>
+                <a14:useLocalDpi xmlns:a14="http://schemas.microsoft.com/office/drawing/2010/main" val="0"/>
               </a:ext>
             </a:extLst>
           </a:blip>
@@ -2599,6 +2514,7 @@
               <a:rPr lang="ru-RU"/>
               <a:t>Образец текста</a:t>
             </a:r>
+            <a:endParaRPr lang="ru-RU"/>
           </a:p>
           <a:p>
             <a:pPr lvl="1"/>
@@ -2606,6 +2522,7 @@
               <a:rPr lang="ru-RU"/>
               <a:t>Второй уровень</a:t>
             </a:r>
+            <a:endParaRPr lang="ru-RU"/>
           </a:p>
           <a:p>
             <a:pPr lvl="2"/>
@@ -2613,6 +2530,7 @@
               <a:rPr lang="ru-RU"/>
               <a:t>Третий уровень</a:t>
             </a:r>
+            <a:endParaRPr lang="ru-RU"/>
           </a:p>
           <a:p>
             <a:pPr lvl="3"/>
@@ -2620,6 +2538,7 @@
               <a:rPr lang="ru-RU"/>
               <a:t>Четвертый уровень</a:t>
             </a:r>
+            <a:endParaRPr lang="ru-RU"/>
           </a:p>
           <a:p>
             <a:pPr lvl="4"/>
@@ -2666,8 +2585,6 @@
           <a:p>
             <a:fld id="{3574F6E9-F504-4B0B-9B08-16782E9464A5}" type="datetimeFigureOut">
               <a:rPr lang="en-US" smtClean="0"/>
-              <a:pPr/>
-              <a:t>1/13/2021</a:t>
             </a:fld>
             <a:endParaRPr lang="en-US"/>
           </a:p>
@@ -2745,33 +2662,26 @@
           <a:p>
             <a:fld id="{F49E3C7B-0734-4C1F-B53A-8ABB5D3750BD}" type="slidenum">
               <a:rPr lang="en-US" smtClean="0"/>
-              <a:pPr/>
-              <a:t>‹#›</a:t>
             </a:fld>
             <a:endParaRPr lang="en-US"/>
           </a:p>
         </p:txBody>
       </p:sp>
     </p:spTree>
-    <p:extLst>
-      <p:ext uri="{BB962C8B-B14F-4D97-AF65-F5344CB8AC3E}">
-        <p14:creationId xmlns="" xmlns:p14="http://schemas.microsoft.com/office/powerpoint/2010/main" val="1540263518"/>
-      </p:ext>
-    </p:extLst>
   </p:cSld>
   <p:clrMap bg1="lt1" tx1="dk1" bg2="lt2" tx2="dk2" accent1="accent1" accent2="accent2" accent3="accent3" accent4="accent4" accent5="accent5" accent6="accent6" hlink="hlink" folHlink="folHlink"/>
   <p:sldLayoutIdLst>
-    <p:sldLayoutId id="2147483661" r:id="rId1"/>
-    <p:sldLayoutId id="2147483662" r:id="rId2"/>
-    <p:sldLayoutId id="2147483663" r:id="rId3"/>
-    <p:sldLayoutId id="2147483664" r:id="rId4"/>
-    <p:sldLayoutId id="2147483665" r:id="rId5"/>
-    <p:sldLayoutId id="2147483666" r:id="rId6"/>
-    <p:sldLayoutId id="2147483667" r:id="rId7"/>
-    <p:sldLayoutId id="2147483668" r:id="rId8"/>
-    <p:sldLayoutId id="2147483669" r:id="rId9"/>
-    <p:sldLayoutId id="2147483670" r:id="rId10"/>
-    <p:sldLayoutId id="2147483671" r:id="rId11"/>
+    <p:sldLayoutId id="2147483649" r:id="rId1"/>
+    <p:sldLayoutId id="2147483650" r:id="rId2"/>
+    <p:sldLayoutId id="2147483651" r:id="rId3"/>
+    <p:sldLayoutId id="2147483652" r:id="rId4"/>
+    <p:sldLayoutId id="2147483653" r:id="rId5"/>
+    <p:sldLayoutId id="2147483654" r:id="rId6"/>
+    <p:sldLayoutId id="2147483655" r:id="rId7"/>
+    <p:sldLayoutId id="2147483656" r:id="rId8"/>
+    <p:sldLayoutId id="2147483657" r:id="rId9"/>
+    <p:sldLayoutId id="2147483658" r:id="rId10"/>
+    <p:sldLayoutId id="2147483659" r:id="rId11"/>
   </p:sldLayoutIdLst>
   <p:txStyles>
     <p:titleStyle>
@@ -3059,6 +2969,14 @@
 <file path=ppt/slides/slide1.xml><?xml version="1.0" encoding="utf-8"?>
 <p:sld xmlns:a="http://schemas.openxmlformats.org/drawingml/2006/main" xmlns:r="http://schemas.openxmlformats.org/officeDocument/2006/relationships" xmlns:p="http://schemas.openxmlformats.org/presentationml/2006/main">
   <p:cSld>
+    <p:bg>
+      <p:bgPr>
+        <a:solidFill>
+          <a:schemeClr val="bg1"/>
+        </a:solidFill>
+        <a:effectLst/>
+      </p:bgPr>
+    </p:bg>
     <p:spTree>
       <p:nvGrpSpPr>
         <p:cNvPr id="1" name=""/>
@@ -3073,2245 +2991,6 @@
           <a:chExt cx="0" cy="0"/>
         </a:xfrm>
       </p:grpSpPr>
-      <p:sp>
-        <p:nvSpPr>
-          <p:cNvPr id="2" name="Заголовок 1">
-            <a:extLst>
-              <a:ext uri="{FF2B5EF4-FFF2-40B4-BE49-F238E27FC236}">
-                <a16:creationId xmlns="" xmlns:a16="http://schemas.microsoft.com/office/drawing/2014/main" id="{FF3A12EE-09C4-4FFC-90D4-8FF99DC65018}"/>
-              </a:ext>
-            </a:extLst>
-          </p:cNvPr>
-          <p:cNvSpPr>
-            <a:spLocks noGrp="1"/>
-          </p:cNvSpPr>
-          <p:nvPr>
-            <p:ph type="ctrTitle"/>
-          </p:nvPr>
-        </p:nvSpPr>
-        <p:spPr>
-          <a:xfrm>
-            <a:off x="729761" y="509953"/>
-            <a:ext cx="7772400" cy="980172"/>
-          </a:xfrm>
-        </p:spPr>
-        <p:txBody>
-          <a:bodyPr/>
-          <a:lstStyle/>
-          <a:p>
-            <a:r>
-              <a:rPr lang="uk-UA" b="1" dirty="0">
-                <a:ln w="9525">
-                  <a:solidFill>
-                    <a:schemeClr val="bg1"/>
-                  </a:solidFill>
-                  <a:prstDash val="solid"/>
-                </a:ln>
-                <a:solidFill>
-                  <a:srgbClr val="004E86"/>
-                </a:solidFill>
-                <a:effectLst>
-                  <a:outerShdw blurRad="12700" dist="38100" dir="2700000" algn="tl" rotWithShape="0">
-                    <a:schemeClr val="bg1">
-                      <a:lumMod val="50000"/>
-                    </a:schemeClr>
-                  </a:outerShdw>
-                </a:effectLst>
-                <a:latin typeface="Arial" panose="020B0604020202020204" pitchFamily="34" charset="0"/>
-                <a:cs typeface="Arial" panose="020B0604020202020204" pitchFamily="34" charset="0"/>
-              </a:rPr>
-              <a:t>Теодор Рузвельт</a:t>
-            </a:r>
-            <a:endParaRPr lang="en-US" b="1" dirty="0">
-              <a:ln w="9525">
-                <a:solidFill>
-                  <a:schemeClr val="bg1"/>
-                </a:solidFill>
-                <a:prstDash val="solid"/>
-              </a:ln>
-              <a:solidFill>
-                <a:srgbClr val="004E86"/>
-              </a:solidFill>
-              <a:effectLst>
-                <a:outerShdw blurRad="12700" dist="38100" dir="2700000" algn="tl" rotWithShape="0">
-                  <a:schemeClr val="bg1">
-                    <a:lumMod val="50000"/>
-                  </a:schemeClr>
-                </a:outerShdw>
-              </a:effectLst>
-              <a:latin typeface="Arial" panose="020B0604020202020204" pitchFamily="34" charset="0"/>
-              <a:cs typeface="Arial" panose="020B0604020202020204" pitchFamily="34" charset="0"/>
-            </a:endParaRPr>
-          </a:p>
-        </p:txBody>
-      </p:sp>
-      <p:sp>
-        <p:nvSpPr>
-          <p:cNvPr id="6" name="TextBox 5">
-            <a:extLst>
-              <a:ext uri="{FF2B5EF4-FFF2-40B4-BE49-F238E27FC236}">
-                <a16:creationId xmlns="" xmlns:a16="http://schemas.microsoft.com/office/drawing/2014/main" id="{961BFE48-AF66-B84E-98BE-C3A694763AC8}"/>
-              </a:ext>
-            </a:extLst>
-          </p:cNvPr>
-          <p:cNvSpPr txBox="1"/>
-          <p:nvPr/>
-        </p:nvSpPr>
-        <p:spPr>
-          <a:xfrm>
-            <a:off x="5816083" y="5200261"/>
-            <a:ext cx="3073918" cy="1246495"/>
-          </a:xfrm>
-          <a:prstGeom prst="rect">
-            <a:avLst/>
-          </a:prstGeom>
-          <a:solidFill>
-            <a:schemeClr val="dk1">
-              <a:alpha val="50000"/>
-            </a:schemeClr>
-          </a:solidFill>
-          <a:ln>
-            <a:noFill/>
-          </a:ln>
-        </p:spPr>
-        <p:style>
-          <a:lnRef idx="0">
-            <a:scrgbClr r="0" g="0" b="0"/>
-          </a:lnRef>
-          <a:fillRef idx="0">
-            <a:scrgbClr r="0" g="0" b="0"/>
-          </a:fillRef>
-          <a:effectRef idx="0">
-            <a:scrgbClr r="0" g="0" b="0"/>
-          </a:effectRef>
-          <a:fontRef idx="minor">
-            <a:schemeClr val="lt1"/>
-          </a:fontRef>
-        </p:style>
-        <p:txBody>
-          <a:bodyPr wrap="square" rtlCol="0">
-            <a:spAutoFit/>
-          </a:bodyPr>
-          <a:lstStyle/>
-          <a:p>
-            <a:pPr algn="ctr"/>
-            <a:r>
-              <a:rPr lang="uk-UA" sz="2500" b="1" dirty="0"/>
-              <a:t>Виконав: </a:t>
-            </a:r>
-          </a:p>
-          <a:p>
-            <a:pPr algn="ctr"/>
-            <a:r>
-              <a:rPr lang="uk-UA" sz="2500" b="1" dirty="0"/>
-              <a:t>студент групи МВ-34</a:t>
-            </a:r>
-          </a:p>
-          <a:p>
-            <a:pPr algn="ctr"/>
-            <a:r>
-              <a:rPr lang="uk-UA" sz="2500" b="1" dirty="0"/>
-              <a:t>Чабуркін Павло</a:t>
-            </a:r>
-          </a:p>
-        </p:txBody>
-      </p:sp>
-      <p:pic>
-        <p:nvPicPr>
-          <p:cNvPr id="4" name="Picture 2" descr="C:\Users\pashtet\Desktop\xTeodor-Ruzvelt-rus-min-1024x580.jpg.pagespeed.ic.aYCSYEIjp6.jpg"/>
-          <p:cNvPicPr>
-            <a:picLocks noChangeAspect="1" noChangeArrowheads="1"/>
-          </p:cNvPicPr>
-          <p:nvPr/>
-        </p:nvPicPr>
-        <p:blipFill>
-          <a:blip r:embed="rId2" cstate="print"/>
-          <a:srcRect/>
-          <a:stretch>
-            <a:fillRect/>
-          </a:stretch>
-        </p:blipFill>
-        <p:spPr bwMode="auto">
-          <a:xfrm>
-            <a:off x="2150658" y="1697024"/>
-            <a:ext cx="5040560" cy="2855004"/>
-          </a:xfrm>
-          <a:prstGeom prst="rect">
-            <a:avLst/>
-          </a:prstGeom>
-          <a:noFill/>
-        </p:spPr>
-      </p:pic>
-    </p:spTree>
-    <p:extLst>
-      <p:ext uri="{BB962C8B-B14F-4D97-AF65-F5344CB8AC3E}">
-        <p14:creationId xmlns="" xmlns:p14="http://schemas.microsoft.com/office/powerpoint/2010/main" val="2005898177"/>
-      </p:ext>
-    </p:extLst>
-  </p:cSld>
-  <p:clrMapOvr>
-    <a:masterClrMapping/>
-  </p:clrMapOvr>
-</p:sld>
-</file>
-
-<file path=ppt/slides/slide2.xml><?xml version="1.0" encoding="utf-8"?>
-<p:sld xmlns:a="http://schemas.openxmlformats.org/drawingml/2006/main" xmlns:r="http://schemas.openxmlformats.org/officeDocument/2006/relationships" xmlns:p="http://schemas.openxmlformats.org/presentationml/2006/main">
-  <p:cSld>
-    <p:spTree>
-      <p:nvGrpSpPr>
-        <p:cNvPr id="1" name=""/>
-        <p:cNvGrpSpPr/>
-        <p:nvPr/>
-      </p:nvGrpSpPr>
-      <p:grpSpPr>
-        <a:xfrm>
-          <a:off x="0" y="0"/>
-          <a:ext cx="0" cy="0"/>
-          <a:chOff x="0" y="0"/>
-          <a:chExt cx="0" cy="0"/>
-        </a:xfrm>
-      </p:grpSpPr>
-      <p:sp>
-        <p:nvSpPr>
-          <p:cNvPr id="2" name="Заголовок 1">
-            <a:extLst>
-              <a:ext uri="{FF2B5EF4-FFF2-40B4-BE49-F238E27FC236}">
-                <a16:creationId xmlns="" xmlns:a16="http://schemas.microsoft.com/office/drawing/2014/main" id="{A9E2FBF3-08D1-0349-BE22-1938DF7AAE64}"/>
-              </a:ext>
-            </a:extLst>
-          </p:cNvPr>
-          <p:cNvSpPr>
-            <a:spLocks noGrp="1"/>
-          </p:cNvSpPr>
-          <p:nvPr>
-            <p:ph type="title"/>
-          </p:nvPr>
-        </p:nvSpPr>
-        <p:spPr>
-          <a:xfrm>
-            <a:off x="0" y="113928"/>
-            <a:ext cx="8899833" cy="2021632"/>
-          </a:xfrm>
-        </p:spPr>
-        <p:txBody>
-          <a:bodyPr/>
-          <a:lstStyle/>
-          <a:p>
-            <a:pPr algn="ctr"/>
-            <a:r>
-              <a:rPr lang="uk-UA" b="1" dirty="0">
-                <a:ln w="10541" cmpd="sng">
-                  <a:solidFill>
-                    <a:schemeClr val="accent1">
-                      <a:shade val="88000"/>
-                      <a:satMod val="110000"/>
-                    </a:schemeClr>
-                  </a:solidFill>
-                  <a:prstDash val="solid"/>
-                </a:ln>
-                <a:gradFill>
-                  <a:gsLst>
-                    <a:gs pos="0">
-                      <a:schemeClr val="accent1">
-                        <a:tint val="40000"/>
-                        <a:satMod val="250000"/>
-                      </a:schemeClr>
-                    </a:gs>
-                    <a:gs pos="9000">
-                      <a:schemeClr val="accent1">
-                        <a:tint val="52000"/>
-                        <a:satMod val="300000"/>
-                      </a:schemeClr>
-                    </a:gs>
-                    <a:gs pos="50000">
-                      <a:schemeClr val="accent1">
-                        <a:shade val="20000"/>
-                        <a:satMod val="300000"/>
-                      </a:schemeClr>
-                    </a:gs>
-                    <a:gs pos="79000">
-                      <a:schemeClr val="accent1">
-                        <a:tint val="52000"/>
-                        <a:satMod val="300000"/>
-                      </a:schemeClr>
-                    </a:gs>
-                    <a:gs pos="100000">
-                      <a:schemeClr val="accent1">
-                        <a:tint val="40000"/>
-                        <a:satMod val="250000"/>
-                      </a:schemeClr>
-                    </a:gs>
-                  </a:gsLst>
-                  <a:lin ang="5400000"/>
-                </a:gradFill>
-              </a:rPr>
-              <a:t>Теодор Рузвельт</a:t>
-            </a:r>
-          </a:p>
-        </p:txBody>
-      </p:sp>
-      <p:sp>
-        <p:nvSpPr>
-          <p:cNvPr id="5" name="TextBox 4">
-            <a:extLst>
-              <a:ext uri="{FF2B5EF4-FFF2-40B4-BE49-F238E27FC236}">
-                <a16:creationId xmlns="" xmlns:a16="http://schemas.microsoft.com/office/drawing/2014/main" id="{416DE7CB-7B0F-B343-83A3-6257DF7CCED1}"/>
-              </a:ext>
-            </a:extLst>
-          </p:cNvPr>
-          <p:cNvSpPr txBox="1"/>
-          <p:nvPr/>
-        </p:nvSpPr>
-        <p:spPr>
-          <a:xfrm>
-            <a:off x="2595724" y="758391"/>
-            <a:ext cx="4574592" cy="369332"/>
-          </a:xfrm>
-          <a:prstGeom prst="rect">
-            <a:avLst/>
-          </a:prstGeom>
-          <a:noFill/>
-        </p:spPr>
-        <p:txBody>
-          <a:bodyPr wrap="square">
-            <a:spAutoFit/>
-          </a:bodyPr>
-          <a:lstStyle/>
-          <a:p>
-            <a:pPr algn="l" fontAlgn="ctr"/>
-            <a:endParaRPr lang="uk-UA" b="1" i="0" u="none" strike="noStrike" spc="300" dirty="0">
-              <a:ln w="11430" cmpd="sng">
-                <a:solidFill>
-                  <a:schemeClr val="accent1">
-                    <a:tint val="10000"/>
-                  </a:schemeClr>
-                </a:solidFill>
-                <a:prstDash val="solid"/>
-                <a:miter lim="800000"/>
-              </a:ln>
-              <a:gradFill>
-                <a:gsLst>
-                  <a:gs pos="10000">
-                    <a:schemeClr val="accent1">
-                      <a:tint val="83000"/>
-                      <a:shade val="100000"/>
-                      <a:satMod val="200000"/>
-                    </a:schemeClr>
-                  </a:gs>
-                  <a:gs pos="75000">
-                    <a:schemeClr val="accent1">
-                      <a:tint val="100000"/>
-                      <a:shade val="50000"/>
-                      <a:satMod val="150000"/>
-                    </a:schemeClr>
-                  </a:gs>
-                </a:gsLst>
-                <a:lin ang="5400000"/>
-              </a:gradFill>
-              <a:effectLst>
-                <a:glow rad="45500">
-                  <a:schemeClr val="accent1">
-                    <a:satMod val="220000"/>
-                    <a:alpha val="35000"/>
-                  </a:schemeClr>
-                </a:glow>
-              </a:effectLst>
-              <a:latin typeface="Arial" panose="020B0604020202020204" pitchFamily="34" charset="0"/>
-            </a:endParaRPr>
-          </a:p>
-        </p:txBody>
-      </p:sp>
-      <p:sp>
-        <p:nvSpPr>
-          <p:cNvPr id="3" name="TextBox 2">
-            <a:extLst>
-              <a:ext uri="{FF2B5EF4-FFF2-40B4-BE49-F238E27FC236}">
-                <a16:creationId xmlns="" xmlns:a16="http://schemas.microsoft.com/office/drawing/2014/main" id="{DD70DA6E-2427-A642-B946-82B7544D8D11}"/>
-              </a:ext>
-            </a:extLst>
-          </p:cNvPr>
-          <p:cNvSpPr txBox="1"/>
-          <p:nvPr/>
-        </p:nvSpPr>
-        <p:spPr>
-          <a:xfrm>
-            <a:off x="2437104" y="3396734"/>
-            <a:ext cx="4574592" cy="369332"/>
-          </a:xfrm>
-          <a:prstGeom prst="rect">
-            <a:avLst/>
-          </a:prstGeom>
-          <a:noFill/>
-        </p:spPr>
-        <p:txBody>
-          <a:bodyPr wrap="square">
-            <a:spAutoFit/>
-          </a:bodyPr>
-          <a:lstStyle/>
-          <a:p>
-            <a:pPr algn="l" fontAlgn="ctr"/>
-            <a:endParaRPr lang="uk-UA" b="0" i="0" u="none" strike="noStrike" dirty="0">
-              <a:solidFill>
-                <a:srgbClr val="000000"/>
-              </a:solidFill>
-              <a:effectLst/>
-              <a:latin typeface="Arial" panose="020B0604020202020204" pitchFamily="34" charset="0"/>
-            </a:endParaRPr>
-          </a:p>
-        </p:txBody>
-      </p:sp>
-      <p:sp>
-        <p:nvSpPr>
-          <p:cNvPr id="4" name="Заголовок 2">
-            <a:extLst>
-              <a:ext uri="{FF2B5EF4-FFF2-40B4-BE49-F238E27FC236}">
-                <a16:creationId xmlns="" xmlns:a16="http://schemas.microsoft.com/office/drawing/2014/main" id="{2BCB33C8-94D6-BD41-9DEB-7D53A588F5A5}"/>
-              </a:ext>
-            </a:extLst>
-          </p:cNvPr>
-          <p:cNvSpPr txBox="1">
-            <a:spLocks/>
-          </p:cNvSpPr>
-          <p:nvPr/>
-        </p:nvSpPr>
-        <p:spPr>
-          <a:xfrm>
-            <a:off x="900927" y="1647694"/>
-            <a:ext cx="3828728" cy="3888432"/>
-          </a:xfrm>
-          <a:prstGeom prst="rect">
-            <a:avLst/>
-          </a:prstGeom>
-        </p:spPr>
-        <p:txBody>
-          <a:bodyPr vert="horz" lIns="91440" tIns="45720" rIns="91440" bIns="45720" rtlCol="0" anchor="ctr">
-            <a:noAutofit/>
-          </a:bodyPr>
-          <a:lstStyle>
-            <a:lvl1pPr algn="l" defTabSz="914400" rtl="0" eaLnBrk="1" latinLnBrk="0" hangingPunct="1">
-              <a:lnSpc>
-                <a:spcPct val="90000"/>
-              </a:lnSpc>
-              <a:spcBef>
-                <a:spcPct val="0"/>
-              </a:spcBef>
-              <a:buNone/>
-              <a:defRPr sz="4400" kern="1200">
-                <a:solidFill>
-                  <a:schemeClr val="tx1"/>
-                </a:solidFill>
-                <a:latin typeface="+mj-lt"/>
-                <a:ea typeface="+mj-ea"/>
-                <a:cs typeface="+mj-cs"/>
-              </a:defRPr>
-            </a:lvl1pPr>
-          </a:lstStyle>
-          <a:p>
-            <a:pPr algn="ctr"/>
-            <a:r>
-              <a:rPr lang="uk-UA" sz="2000" b="1" dirty="0">
-                <a:ln w="10541" cmpd="sng">
-                  <a:solidFill>
-                    <a:schemeClr val="accent1">
-                      <a:shade val="88000"/>
-                      <a:satMod val="110000"/>
-                    </a:schemeClr>
-                  </a:solidFill>
-                  <a:prstDash val="solid"/>
-                </a:ln>
-                <a:solidFill>
-                  <a:sysClr val="windowText" lastClr="000000"/>
-                </a:solidFill>
-              </a:rPr>
-              <a:t>Теодор Рузвельт </a:t>
-            </a:r>
-            <a:r>
-              <a:rPr lang="en-US" sz="2000" b="1" dirty="0">
-                <a:ln w="10541" cmpd="sng">
-                  <a:solidFill>
-                    <a:schemeClr val="accent1">
-                      <a:shade val="88000"/>
-                      <a:satMod val="110000"/>
-                    </a:schemeClr>
-                  </a:solidFill>
-                  <a:prstDash val="solid"/>
-                </a:ln>
-                <a:solidFill>
-                  <a:sysClr val="windowText" lastClr="000000"/>
-                </a:solidFill>
-              </a:rPr>
-              <a:t>(27 </a:t>
-            </a:r>
-            <a:r>
-              <a:rPr lang="uk-UA" sz="2000" b="1" dirty="0">
-                <a:ln w="10541" cmpd="sng">
-                  <a:solidFill>
-                    <a:schemeClr val="accent1">
-                      <a:shade val="88000"/>
-                      <a:satMod val="110000"/>
-                    </a:schemeClr>
-                  </a:solidFill>
-                  <a:prstDash val="solid"/>
-                </a:ln>
-                <a:solidFill>
-                  <a:sysClr val="windowText" lastClr="000000"/>
-                </a:solidFill>
-              </a:rPr>
-              <a:t>жовтня 1858 — 6 січня 1919</a:t>
-            </a:r>
-            <a:r>
-              <a:rPr lang="en-US" sz="2000" b="1" dirty="0">
-                <a:ln w="10541" cmpd="sng">
-                  <a:solidFill>
-                    <a:schemeClr val="accent1">
-                      <a:shade val="88000"/>
-                      <a:satMod val="110000"/>
-                    </a:schemeClr>
-                  </a:solidFill>
-                  <a:prstDash val="solid"/>
-                </a:ln>
-                <a:solidFill>
-                  <a:sysClr val="windowText" lastClr="000000"/>
-                </a:solidFill>
-              </a:rPr>
-              <a:t>)— 26-</a:t>
-            </a:r>
-            <a:r>
-              <a:rPr lang="uk-UA" sz="2000" b="1" dirty="0">
-                <a:ln w="10541" cmpd="sng">
-                  <a:solidFill>
-                    <a:schemeClr val="accent1">
-                      <a:shade val="88000"/>
-                      <a:satMod val="110000"/>
-                    </a:schemeClr>
-                  </a:solidFill>
-                  <a:prstDash val="solid"/>
-                </a:ln>
-                <a:solidFill>
-                  <a:sysClr val="windowText" lastClr="000000"/>
-                </a:solidFill>
-              </a:rPr>
-              <a:t>й президент США, 25-й віцепрезидент США. Лідер Республіканської партії та Прогресивної партії. Лауреат Нобелівської премії миру (1906, за посередництво в укладенні російсько-японського Портсмутського мирного договору).</a:t>
-            </a:r>
-          </a:p>
-        </p:txBody>
-      </p:sp>
-      <p:pic>
-        <p:nvPicPr>
-          <p:cNvPr id="1027" name="Picture 3" descr="C:\Users\pashtet\Downloads\novyi-nacionalizm-teodora-ruzvelta-photo-big.jpg"/>
-          <p:cNvPicPr>
-            <a:picLocks noChangeAspect="1" noChangeArrowheads="1"/>
-          </p:cNvPicPr>
-          <p:nvPr/>
-        </p:nvPicPr>
-        <p:blipFill>
-          <a:blip r:embed="rId2" cstate="print"/>
-          <a:srcRect/>
-          <a:stretch>
-            <a:fillRect/>
-          </a:stretch>
-        </p:blipFill>
-        <p:spPr bwMode="auto">
-          <a:xfrm>
-            <a:off x="5171089" y="1595798"/>
-            <a:ext cx="3075923" cy="3905245"/>
-          </a:xfrm>
-          <a:prstGeom prst="rect">
-            <a:avLst/>
-          </a:prstGeom>
-          <a:ln>
-            <a:noFill/>
-          </a:ln>
-          <a:effectLst>
-            <a:outerShdw blurRad="190500" algn="tl" rotWithShape="0">
-              <a:srgbClr val="000000">
-                <a:alpha val="70000"/>
-              </a:srgbClr>
-            </a:outerShdw>
-          </a:effectLst>
-        </p:spPr>
-      </p:pic>
-    </p:spTree>
-    <p:extLst>
-      <p:ext uri="{BB962C8B-B14F-4D97-AF65-F5344CB8AC3E}">
-        <p14:creationId xmlns="" xmlns:p14="http://schemas.microsoft.com/office/powerpoint/2010/main" val="3326760753"/>
-      </p:ext>
-    </p:extLst>
-  </p:cSld>
-  <p:clrMapOvr>
-    <a:masterClrMapping/>
-  </p:clrMapOvr>
-</p:sld>
-</file>
-
-<file path=ppt/slides/slide3.xml><?xml version="1.0" encoding="utf-8"?>
-<p:sld xmlns:a="http://schemas.openxmlformats.org/drawingml/2006/main" xmlns:r="http://schemas.openxmlformats.org/officeDocument/2006/relationships" xmlns:p="http://schemas.openxmlformats.org/presentationml/2006/main">
-  <p:cSld>
-    <p:spTree>
-      <p:nvGrpSpPr>
-        <p:cNvPr id="1" name=""/>
-        <p:cNvGrpSpPr/>
-        <p:nvPr/>
-      </p:nvGrpSpPr>
-      <p:grpSpPr>
-        <a:xfrm>
-          <a:off x="0" y="0"/>
-          <a:ext cx="0" cy="0"/>
-          <a:chOff x="0" y="0"/>
-          <a:chExt cx="0" cy="0"/>
-        </a:xfrm>
-      </p:grpSpPr>
-      <p:sp>
-        <p:nvSpPr>
-          <p:cNvPr id="6" name="Прямоугольник 5"/>
-          <p:cNvSpPr/>
-          <p:nvPr/>
-        </p:nvSpPr>
-        <p:spPr>
-          <a:xfrm>
-            <a:off x="3613892" y="304800"/>
-            <a:ext cx="2513640" cy="769441"/>
-          </a:xfrm>
-          <a:prstGeom prst="rect">
-            <a:avLst/>
-          </a:prstGeom>
-        </p:spPr>
-        <p:txBody>
-          <a:bodyPr wrap="square">
-            <a:spAutoFit/>
-          </a:bodyPr>
-          <a:lstStyle/>
-          <a:p>
-            <a:r>
-              <a:rPr lang="uk-UA" sz="4400" b="1" dirty="0" smtClean="0">
-                <a:ln w="10541" cmpd="sng">
-                  <a:solidFill>
-                    <a:schemeClr val="accent1">
-                      <a:shade val="88000"/>
-                      <a:satMod val="110000"/>
-                    </a:schemeClr>
-                  </a:solidFill>
-                  <a:prstDash val="solid"/>
-                </a:ln>
-                <a:gradFill>
-                  <a:gsLst>
-                    <a:gs pos="0">
-                      <a:schemeClr val="accent1">
-                        <a:tint val="40000"/>
-                        <a:satMod val="250000"/>
-                      </a:schemeClr>
-                    </a:gs>
-                    <a:gs pos="9000">
-                      <a:schemeClr val="accent1">
-                        <a:tint val="52000"/>
-                        <a:satMod val="300000"/>
-                      </a:schemeClr>
-                    </a:gs>
-                    <a:gs pos="50000">
-                      <a:schemeClr val="accent1">
-                        <a:shade val="20000"/>
-                        <a:satMod val="300000"/>
-                      </a:schemeClr>
-                    </a:gs>
-                    <a:gs pos="79000">
-                      <a:schemeClr val="accent1">
-                        <a:tint val="52000"/>
-                        <a:satMod val="300000"/>
-                      </a:schemeClr>
-                    </a:gs>
-                    <a:gs pos="100000">
-                      <a:schemeClr val="accent1">
-                        <a:tint val="40000"/>
-                        <a:satMod val="250000"/>
-                      </a:schemeClr>
-                    </a:gs>
-                  </a:gsLst>
-                  <a:lin ang="5400000"/>
-                </a:gradFill>
-              </a:rPr>
-              <a:t>Біографія</a:t>
-            </a:r>
-            <a:endParaRPr lang="uk-UA" sz="4400" b="1" dirty="0">
-              <a:ln w="10541" cmpd="sng">
-                <a:solidFill>
-                  <a:schemeClr val="accent1">
-                    <a:shade val="88000"/>
-                    <a:satMod val="110000"/>
-                  </a:schemeClr>
-                </a:solidFill>
-                <a:prstDash val="solid"/>
-              </a:ln>
-              <a:gradFill>
-                <a:gsLst>
-                  <a:gs pos="0">
-                    <a:schemeClr val="accent1">
-                      <a:tint val="40000"/>
-                      <a:satMod val="250000"/>
-                    </a:schemeClr>
-                  </a:gs>
-                  <a:gs pos="9000">
-                    <a:schemeClr val="accent1">
-                      <a:tint val="52000"/>
-                      <a:satMod val="300000"/>
-                    </a:schemeClr>
-                  </a:gs>
-                  <a:gs pos="50000">
-                    <a:schemeClr val="accent1">
-                      <a:shade val="20000"/>
-                      <a:satMod val="300000"/>
-                    </a:schemeClr>
-                  </a:gs>
-                  <a:gs pos="79000">
-                    <a:schemeClr val="accent1">
-                      <a:tint val="52000"/>
-                      <a:satMod val="300000"/>
-                    </a:schemeClr>
-                  </a:gs>
-                  <a:gs pos="100000">
-                    <a:schemeClr val="accent1">
-                      <a:tint val="40000"/>
-                      <a:satMod val="250000"/>
-                    </a:schemeClr>
-                  </a:gs>
-                </a:gsLst>
-                <a:lin ang="5400000"/>
-              </a:gradFill>
-            </a:endParaRPr>
-          </a:p>
-        </p:txBody>
-      </p:sp>
-      <p:sp>
-        <p:nvSpPr>
-          <p:cNvPr id="7" name="Прямоугольник 6"/>
-          <p:cNvSpPr/>
-          <p:nvPr/>
-        </p:nvSpPr>
-        <p:spPr>
-          <a:xfrm>
-            <a:off x="4319752" y="1240222"/>
-            <a:ext cx="4456387" cy="4524315"/>
-          </a:xfrm>
-          <a:prstGeom prst="rect">
-            <a:avLst/>
-          </a:prstGeom>
-        </p:spPr>
-        <p:txBody>
-          <a:bodyPr wrap="square">
-            <a:spAutoFit/>
-          </a:bodyPr>
-          <a:lstStyle/>
-          <a:p>
-            <a:r>
-              <a:rPr lang="uk-UA" b="1" dirty="0" smtClean="0">
-                <a:ln w="10541" cmpd="sng">
-                  <a:solidFill>
-                    <a:schemeClr val="accent1">
-                      <a:shade val="88000"/>
-                      <a:satMod val="110000"/>
-                    </a:schemeClr>
-                  </a:solidFill>
-                  <a:prstDash val="solid"/>
-                </a:ln>
-                <a:solidFill>
-                  <a:sysClr val="windowText" lastClr="000000"/>
-                </a:solidFill>
-              </a:rPr>
-              <a:t>Теодор Рузвельт народився в Нью-Йорку 27 жовтня 1858 в сім'ї торговця й філантропа нідерландського походження. Теодор був другою дитиною в родині, у нього були одна старша та одна молодша сестра, а також молодший брат. </a:t>
-            </a:r>
-            <a:endParaRPr lang="en-US" b="1" dirty="0" smtClean="0">
-              <a:ln w="10541" cmpd="sng">
-                <a:solidFill>
-                  <a:schemeClr val="accent1">
-                    <a:shade val="88000"/>
-                    <a:satMod val="110000"/>
-                  </a:schemeClr>
-                </a:solidFill>
-                <a:prstDash val="solid"/>
-              </a:ln>
-              <a:solidFill>
-                <a:sysClr val="windowText" lastClr="000000"/>
-              </a:solidFill>
-            </a:endParaRPr>
-          </a:p>
-          <a:p>
-            <a:r>
-              <a:rPr lang="uk-UA" b="1" dirty="0" smtClean="0">
-                <a:ln w="10541" cmpd="sng">
-                  <a:solidFill>
-                    <a:schemeClr val="accent1">
-                      <a:shade val="88000"/>
-                      <a:satMod val="110000"/>
-                    </a:schemeClr>
-                  </a:solidFill>
-                  <a:prstDash val="solid"/>
-                </a:ln>
-                <a:solidFill>
-                  <a:sysClr val="windowText" lastClr="000000"/>
-                </a:solidFill>
-              </a:rPr>
-              <a:t>Початкову </a:t>
-            </a:r>
-            <a:r>
-              <a:rPr lang="uk-UA" b="1" dirty="0" smtClean="0">
-                <a:ln w="10541" cmpd="sng">
-                  <a:solidFill>
-                    <a:schemeClr val="accent1">
-                      <a:shade val="88000"/>
-                      <a:satMod val="110000"/>
-                    </a:schemeClr>
-                  </a:solidFill>
-                  <a:prstDash val="solid"/>
-                </a:ln>
-                <a:solidFill>
-                  <a:sysClr val="windowText" lastClr="000000"/>
-                </a:solidFill>
-              </a:rPr>
-              <a:t>освіту Теодор отримав загалом у домашніх умовах — через хворобливість він майже не ходив до школи. </a:t>
-            </a:r>
-          </a:p>
-          <a:p>
-            <a:r>
-              <a:rPr lang="uk-UA" b="1" dirty="0" smtClean="0">
-                <a:ln w="10541" cmpd="sng">
-                  <a:solidFill>
-                    <a:schemeClr val="accent1">
-                      <a:shade val="88000"/>
-                      <a:satMod val="110000"/>
-                    </a:schemeClr>
-                  </a:solidFill>
-                  <a:prstDash val="solid"/>
-                </a:ln>
-                <a:solidFill>
-                  <a:sysClr val="windowText" lastClr="000000"/>
-                </a:solidFill>
-              </a:rPr>
-              <a:t>У </a:t>
-            </a:r>
-            <a:r>
-              <a:rPr lang="uk-UA" b="1" dirty="0" smtClean="0">
-                <a:ln w="10541" cmpd="sng">
-                  <a:solidFill>
-                    <a:schemeClr val="accent1">
-                      <a:shade val="88000"/>
-                      <a:satMod val="110000"/>
-                    </a:schemeClr>
-                  </a:solidFill>
-                  <a:prstDash val="solid"/>
-                </a:ln>
-                <a:solidFill>
-                  <a:sysClr val="windowText" lastClr="000000"/>
-                </a:solidFill>
-              </a:rPr>
-              <a:t>1876 р. Теодор Рузвельт поступив в Гарвардський університет, а в 1880 р. закінчив його. В університеті захопився військово-морською історією та написав наукову працю «Військово-морська війна 1812 року» про змагання флотів Великої Британії та США. </a:t>
-            </a:r>
-            <a:endParaRPr lang="uk-UA" b="1" dirty="0">
-              <a:ln w="10541" cmpd="sng">
-                <a:solidFill>
-                  <a:schemeClr val="accent1">
-                    <a:shade val="88000"/>
-                    <a:satMod val="110000"/>
-                  </a:schemeClr>
-                </a:solidFill>
-                <a:prstDash val="solid"/>
-              </a:ln>
-              <a:solidFill>
-                <a:sysClr val="windowText" lastClr="000000"/>
-              </a:solidFill>
-            </a:endParaRPr>
-          </a:p>
-        </p:txBody>
-      </p:sp>
-      <p:pic>
-        <p:nvPicPr>
-          <p:cNvPr id="2" name="Picture 2" descr="C:\Users\pashtet\Downloads\252f1433-825f-4a58-b05d-903a8b8c6d89.jpg"/>
-          <p:cNvPicPr>
-            <a:picLocks noChangeAspect="1" noChangeArrowheads="1"/>
-          </p:cNvPicPr>
-          <p:nvPr/>
-        </p:nvPicPr>
-        <p:blipFill>
-          <a:blip r:embed="rId2" cstate="print"/>
-          <a:srcRect/>
-          <a:stretch>
-            <a:fillRect/>
-          </a:stretch>
-        </p:blipFill>
-        <p:spPr bwMode="auto">
-          <a:xfrm>
-            <a:off x="758115" y="1280843"/>
-            <a:ext cx="2899486" cy="4184151"/>
-          </a:xfrm>
-          <a:prstGeom prst="roundRect">
-            <a:avLst>
-              <a:gd name="adj" fmla="val 8594"/>
-            </a:avLst>
-          </a:prstGeom>
-          <a:solidFill>
-            <a:srgbClr val="FFFFFF">
-              <a:shade val="85000"/>
-            </a:srgbClr>
-          </a:solidFill>
-          <a:ln>
-            <a:noFill/>
-          </a:ln>
-          <a:effectLst>
-            <a:reflection blurRad="12700" stA="38000" endPos="28000" dist="5000" dir="5400000" sy="-100000" algn="bl" rotWithShape="0"/>
-          </a:effectLst>
-        </p:spPr>
-      </p:pic>
-    </p:spTree>
-    <p:extLst>
-      <p:ext uri="{BB962C8B-B14F-4D97-AF65-F5344CB8AC3E}">
-        <p14:creationId xmlns="" xmlns:p14="http://schemas.microsoft.com/office/powerpoint/2010/main" val="647256020"/>
-      </p:ext>
-    </p:extLst>
-  </p:cSld>
-  <p:clrMapOvr>
-    <a:masterClrMapping/>
-  </p:clrMapOvr>
-</p:sld>
-</file>
-
-<file path=ppt/slides/slide4.xml><?xml version="1.0" encoding="utf-8"?>
-<p:sld xmlns:a="http://schemas.openxmlformats.org/drawingml/2006/main" xmlns:r="http://schemas.openxmlformats.org/officeDocument/2006/relationships" xmlns:p="http://schemas.openxmlformats.org/presentationml/2006/main">
-  <p:cSld>
-    <p:spTree>
-      <p:nvGrpSpPr>
-        <p:cNvPr id="1" name=""/>
-        <p:cNvGrpSpPr/>
-        <p:nvPr/>
-      </p:nvGrpSpPr>
-      <p:grpSpPr>
-        <a:xfrm>
-          <a:off x="0" y="0"/>
-          <a:ext cx="0" cy="0"/>
-          <a:chOff x="0" y="0"/>
-          <a:chExt cx="0" cy="0"/>
-        </a:xfrm>
-      </p:grpSpPr>
-      <p:sp>
-        <p:nvSpPr>
-          <p:cNvPr id="2" name="Заголовок 1"/>
-          <p:cNvSpPr>
-            <a:spLocks noGrp="1"/>
-          </p:cNvSpPr>
-          <p:nvPr>
-            <p:ph type="title"/>
-          </p:nvPr>
-        </p:nvSpPr>
-        <p:spPr>
-          <a:xfrm>
-            <a:off x="135856" y="367863"/>
-            <a:ext cx="4457165" cy="1468820"/>
-          </a:xfrm>
-        </p:spPr>
-        <p:txBody>
-          <a:bodyPr>
-            <a:normAutofit/>
-          </a:bodyPr>
-          <a:lstStyle/>
-          <a:p>
-            <a:pPr algn="ctr"/>
-            <a:r>
-              <a:rPr lang="uk-UA" b="1" dirty="0" smtClean="0">
-                <a:ln w="10541" cmpd="sng">
-                  <a:solidFill>
-                    <a:schemeClr val="accent1">
-                      <a:shade val="88000"/>
-                      <a:satMod val="110000"/>
-                    </a:schemeClr>
-                  </a:solidFill>
-                  <a:prstDash val="solid"/>
-                </a:ln>
-                <a:gradFill>
-                  <a:gsLst>
-                    <a:gs pos="0">
-                      <a:schemeClr val="accent1">
-                        <a:tint val="40000"/>
-                        <a:satMod val="250000"/>
-                      </a:schemeClr>
-                    </a:gs>
-                    <a:gs pos="9000">
-                      <a:schemeClr val="accent1">
-                        <a:tint val="52000"/>
-                        <a:satMod val="300000"/>
-                      </a:schemeClr>
-                    </a:gs>
-                    <a:gs pos="50000">
-                      <a:schemeClr val="accent1">
-                        <a:shade val="20000"/>
-                        <a:satMod val="300000"/>
-                      </a:schemeClr>
-                    </a:gs>
-                    <a:gs pos="79000">
-                      <a:schemeClr val="accent1">
-                        <a:tint val="52000"/>
-                        <a:satMod val="300000"/>
-                      </a:schemeClr>
-                    </a:gs>
-                    <a:gs pos="100000">
-                      <a:schemeClr val="accent1">
-                        <a:tint val="40000"/>
-                        <a:satMod val="250000"/>
-                      </a:schemeClr>
-                    </a:gs>
-                  </a:gsLst>
-                  <a:lin ang="5400000"/>
-                </a:gradFill>
-              </a:rPr>
-              <a:t>Політична діяльність</a:t>
-            </a:r>
-            <a:br>
-              <a:rPr lang="uk-UA" b="1" dirty="0" smtClean="0">
-                <a:ln w="10541" cmpd="sng">
-                  <a:solidFill>
-                    <a:schemeClr val="accent1">
-                      <a:shade val="88000"/>
-                      <a:satMod val="110000"/>
-                    </a:schemeClr>
-                  </a:solidFill>
-                  <a:prstDash val="solid"/>
-                </a:ln>
-                <a:gradFill>
-                  <a:gsLst>
-                    <a:gs pos="0">
-                      <a:schemeClr val="accent1">
-                        <a:tint val="40000"/>
-                        <a:satMod val="250000"/>
-                      </a:schemeClr>
-                    </a:gs>
-                    <a:gs pos="9000">
-                      <a:schemeClr val="accent1">
-                        <a:tint val="52000"/>
-                        <a:satMod val="300000"/>
-                      </a:schemeClr>
-                    </a:gs>
-                    <a:gs pos="50000">
-                      <a:schemeClr val="accent1">
-                        <a:shade val="20000"/>
-                        <a:satMod val="300000"/>
-                      </a:schemeClr>
-                    </a:gs>
-                    <a:gs pos="79000">
-                      <a:schemeClr val="accent1">
-                        <a:tint val="52000"/>
-                        <a:satMod val="300000"/>
-                      </a:schemeClr>
-                    </a:gs>
-                    <a:gs pos="100000">
-                      <a:schemeClr val="accent1">
-                        <a:tint val="40000"/>
-                        <a:satMod val="250000"/>
-                      </a:schemeClr>
-                    </a:gs>
-                  </a:gsLst>
-                  <a:lin ang="5400000"/>
-                </a:gradFill>
-              </a:rPr>
-            </a:br>
-            <a:endParaRPr lang="uk-UA" b="1" dirty="0">
-              <a:ln w="10541" cmpd="sng">
-                <a:solidFill>
-                  <a:schemeClr val="accent1">
-                    <a:shade val="88000"/>
-                    <a:satMod val="110000"/>
-                  </a:schemeClr>
-                </a:solidFill>
-                <a:prstDash val="solid"/>
-              </a:ln>
-              <a:gradFill>
-                <a:gsLst>
-                  <a:gs pos="0">
-                    <a:schemeClr val="accent1">
-                      <a:tint val="40000"/>
-                      <a:satMod val="250000"/>
-                    </a:schemeClr>
-                  </a:gs>
-                  <a:gs pos="9000">
-                    <a:schemeClr val="accent1">
-                      <a:tint val="52000"/>
-                      <a:satMod val="300000"/>
-                    </a:schemeClr>
-                  </a:gs>
-                  <a:gs pos="50000">
-                    <a:schemeClr val="accent1">
-                      <a:shade val="20000"/>
-                      <a:satMod val="300000"/>
-                    </a:schemeClr>
-                  </a:gs>
-                  <a:gs pos="79000">
-                    <a:schemeClr val="accent1">
-                      <a:tint val="52000"/>
-                      <a:satMod val="300000"/>
-                    </a:schemeClr>
-                  </a:gs>
-                  <a:gs pos="100000">
-                    <a:schemeClr val="accent1">
-                      <a:tint val="40000"/>
-                      <a:satMod val="250000"/>
-                    </a:schemeClr>
-                  </a:gs>
-                </a:gsLst>
-                <a:lin ang="5400000"/>
-              </a:gradFill>
-            </a:endParaRPr>
-          </a:p>
-        </p:txBody>
-      </p:sp>
-      <p:pic>
-        <p:nvPicPr>
-          <p:cNvPr id="5" name="Рисунок 4" descr="lossy-page1-800px-President_Roosevelt_-_Pach_Bros.tif.jpg"/>
-          <p:cNvPicPr>
-            <a:picLocks noGrp="1" noChangeAspect="1"/>
-          </p:cNvPicPr>
-          <p:nvPr>
-            <p:ph type="pic" idx="1"/>
-          </p:nvPr>
-        </p:nvPicPr>
-        <p:blipFill>
-          <a:blip r:embed="rId2" cstate="print"/>
-          <a:srcRect t="6360" b="6360"/>
-          <a:stretch>
-            <a:fillRect/>
-          </a:stretch>
-        </p:blipFill>
-        <p:spPr>
-          <a:xfrm>
-            <a:off x="4750676" y="1082020"/>
-            <a:ext cx="3524126" cy="3868352"/>
-          </a:xfrm>
-          <a:prstGeom prst="roundRect">
-            <a:avLst>
-              <a:gd name="adj" fmla="val 8594"/>
-            </a:avLst>
-          </a:prstGeom>
-          <a:solidFill>
-            <a:srgbClr val="FFFFFF">
-              <a:shade val="85000"/>
-            </a:srgbClr>
-          </a:solidFill>
-          <a:ln>
-            <a:noFill/>
-          </a:ln>
-          <a:effectLst>
-            <a:reflection blurRad="12700" stA="38000" endPos="28000" dist="5000" dir="5400000" sy="-100000" algn="bl" rotWithShape="0"/>
-          </a:effectLst>
-        </p:spPr>
-      </p:pic>
-      <p:sp>
-        <p:nvSpPr>
-          <p:cNvPr id="6" name="Текст 5"/>
-          <p:cNvSpPr>
-            <a:spLocks noGrp="1"/>
-          </p:cNvSpPr>
-          <p:nvPr>
-            <p:ph type="body" sz="half" idx="2"/>
-          </p:nvPr>
-        </p:nvSpPr>
-        <p:spPr>
-          <a:xfrm>
-            <a:off x="525515" y="1650124"/>
-            <a:ext cx="3699641" cy="4559197"/>
-          </a:xfrm>
-          <a:prstGeom prst="rect">
-            <a:avLst/>
-          </a:prstGeom>
-        </p:spPr>
-        <p:txBody>
-          <a:bodyPr wrap="square">
-            <a:spAutoFit/>
-          </a:bodyPr>
-          <a:lstStyle/>
-          <a:p>
-            <a:r>
-              <a:rPr lang="uk-UA" b="1" dirty="0" smtClean="0">
-                <a:ln w="10541" cmpd="sng">
-                  <a:solidFill>
-                    <a:schemeClr val="accent1">
-                      <a:shade val="88000"/>
-                      <a:satMod val="110000"/>
-                    </a:schemeClr>
-                  </a:solidFill>
-                  <a:prstDash val="solid"/>
-                </a:ln>
-                <a:solidFill>
-                  <a:sysClr val="windowText" lastClr="000000"/>
-                </a:solidFill>
-              </a:rPr>
-              <a:t>Після Гарварду Рузвельт поступив на юридичний факультет Колумбійського університету. Тоді ж почав займатися політикою, зокрема вступив до Республіканської партії. </a:t>
-            </a:r>
-            <a:r>
-              <a:rPr lang="uk-UA" b="1" dirty="0" smtClean="0">
-                <a:ln w="10541" cmpd="sng">
-                  <a:solidFill>
-                    <a:schemeClr val="accent1">
-                      <a:shade val="88000"/>
-                      <a:satMod val="110000"/>
-                    </a:schemeClr>
-                  </a:solidFill>
-                  <a:prstDash val="solid"/>
-                </a:ln>
-                <a:solidFill>
-                  <a:sysClr val="windowText" lastClr="000000"/>
-                </a:solidFill>
-              </a:rPr>
-              <a:t>У продовж 1882–1884 </a:t>
-            </a:r>
-            <a:r>
-              <a:rPr lang="uk-UA" b="1" dirty="0" smtClean="0">
-                <a:ln w="10541" cmpd="sng">
-                  <a:solidFill>
-                    <a:schemeClr val="accent1">
-                      <a:shade val="88000"/>
-                      <a:satMod val="110000"/>
-                    </a:schemeClr>
-                  </a:solidFill>
-                  <a:prstDash val="solid"/>
-                </a:ln>
-                <a:solidFill>
-                  <a:sysClr val="windowText" lastClr="000000"/>
-                </a:solidFill>
-              </a:rPr>
-              <a:t>років Рузвельт був членом законодавчих зборів (легіслатури) штату Нью-Йорк. </a:t>
-            </a:r>
-          </a:p>
-          <a:p>
-            <a:r>
-              <a:rPr lang="uk-UA" b="1" dirty="0" smtClean="0">
-                <a:ln w="10541" cmpd="sng">
-                  <a:solidFill>
-                    <a:schemeClr val="accent1">
-                      <a:shade val="88000"/>
-                      <a:satMod val="110000"/>
-                    </a:schemeClr>
-                  </a:solidFill>
-                  <a:prstDash val="solid"/>
-                </a:ln>
-                <a:solidFill>
-                  <a:sysClr val="windowText" lastClr="000000"/>
-                </a:solidFill>
-              </a:rPr>
-              <a:t>14 лютого 1884 р. в один день втратив матір і дружину. </a:t>
-            </a:r>
-          </a:p>
-          <a:p>
-            <a:r>
-              <a:rPr lang="uk-UA" b="1" dirty="0" smtClean="0">
-                <a:ln w="10541" cmpd="sng">
-                  <a:solidFill>
-                    <a:schemeClr val="accent1">
-                      <a:shade val="88000"/>
-                      <a:satMod val="110000"/>
-                    </a:schemeClr>
-                  </a:solidFill>
-                  <a:prstDash val="solid"/>
-                </a:ln>
-                <a:solidFill>
-                  <a:sysClr val="windowText" lastClr="000000"/>
-                </a:solidFill>
-              </a:rPr>
-              <a:t>Під час роботи в легіслатурі Рузвельт був активістом Республіканської партії і став досить відомим. </a:t>
-            </a:r>
-            <a:r>
-              <a:rPr lang="uk-UA" b="1" dirty="0" smtClean="0">
-                <a:ln w="10541" cmpd="sng">
-                  <a:solidFill>
-                    <a:schemeClr val="accent1">
-                      <a:shade val="88000"/>
-                      <a:satMod val="110000"/>
-                    </a:schemeClr>
-                  </a:solidFill>
-                  <a:prstDash val="solid"/>
-                </a:ln>
-                <a:solidFill>
-                  <a:sysClr val="windowText" lastClr="000000"/>
-                </a:solidFill>
-              </a:rPr>
-              <a:t>У </a:t>
-            </a:r>
-            <a:r>
-              <a:rPr lang="uk-UA" b="1" dirty="0" smtClean="0">
-                <a:ln w="10541" cmpd="sng">
-                  <a:solidFill>
-                    <a:schemeClr val="accent1">
-                      <a:shade val="88000"/>
-                      <a:satMod val="110000"/>
-                    </a:schemeClr>
-                  </a:solidFill>
-                  <a:prstDash val="solid"/>
-                </a:ln>
-                <a:solidFill>
-                  <a:sysClr val="windowText" lastClr="000000"/>
-                </a:solidFill>
-              </a:rPr>
-              <a:t>1895 р. його було призначено шефом поліції міста </a:t>
-            </a:r>
-            <a:r>
-              <a:rPr lang="uk-UA" b="1" dirty="0" smtClean="0">
-                <a:ln w="10541" cmpd="sng">
-                  <a:solidFill>
-                    <a:schemeClr val="accent1">
-                      <a:shade val="88000"/>
-                      <a:satMod val="110000"/>
-                    </a:schemeClr>
-                  </a:solidFill>
-                  <a:prstDash val="solid"/>
-                </a:ln>
-                <a:solidFill>
-                  <a:sysClr val="windowText" lastClr="000000"/>
-                </a:solidFill>
-              </a:rPr>
-              <a:t>Нью-Йорк. </a:t>
-            </a:r>
-            <a:r>
-              <a:rPr lang="uk-UA" b="1" dirty="0" smtClean="0">
-                <a:ln w="10541" cmpd="sng">
-                  <a:solidFill>
-                    <a:schemeClr val="accent1">
-                      <a:shade val="88000"/>
-                      <a:satMod val="110000"/>
-                    </a:schemeClr>
-                  </a:solidFill>
-                  <a:prstDash val="solid"/>
-                </a:ln>
-                <a:solidFill>
-                  <a:sysClr val="windowText" lastClr="000000"/>
-                </a:solidFill>
-              </a:rPr>
-              <a:t>У 1898 р. під час іспано-американської війни брав активну участь у військових діях на Кубі. З 1899 по 1900 р. обіймав посаду губернатора Нью-Йорка. </a:t>
-            </a:r>
-            <a:endParaRPr lang="uk-UA" b="1" dirty="0">
-              <a:ln w="10541" cmpd="sng">
-                <a:solidFill>
-                  <a:schemeClr val="accent1">
-                    <a:shade val="88000"/>
-                    <a:satMod val="110000"/>
-                  </a:schemeClr>
-                </a:solidFill>
-                <a:prstDash val="solid"/>
-              </a:ln>
-              <a:solidFill>
-                <a:sysClr val="windowText" lastClr="000000"/>
-              </a:solidFill>
-            </a:endParaRPr>
-          </a:p>
-        </p:txBody>
-      </p:sp>
-    </p:spTree>
-  </p:cSld>
-  <p:clrMapOvr>
-    <a:masterClrMapping/>
-  </p:clrMapOvr>
-</p:sld>
-</file>
-
-<file path=ppt/slides/slide5.xml><?xml version="1.0" encoding="utf-8"?>
-<p:sld xmlns:a="http://schemas.openxmlformats.org/drawingml/2006/main" xmlns:r="http://schemas.openxmlformats.org/officeDocument/2006/relationships" xmlns:p="http://schemas.openxmlformats.org/presentationml/2006/main">
-  <p:cSld>
-    <p:spTree>
-      <p:nvGrpSpPr>
-        <p:cNvPr id="1" name=""/>
-        <p:cNvGrpSpPr/>
-        <p:nvPr/>
-      </p:nvGrpSpPr>
-      <p:grpSpPr>
-        <a:xfrm>
-          <a:off x="0" y="0"/>
-          <a:ext cx="0" cy="0"/>
-          <a:chOff x="0" y="0"/>
-          <a:chExt cx="0" cy="0"/>
-        </a:xfrm>
-      </p:grpSpPr>
-      <p:sp>
-        <p:nvSpPr>
-          <p:cNvPr id="6" name="Прямоугольник 5"/>
-          <p:cNvSpPr/>
-          <p:nvPr/>
-        </p:nvSpPr>
-        <p:spPr>
-          <a:xfrm>
-            <a:off x="210207" y="1208689"/>
-            <a:ext cx="3783724" cy="3139321"/>
-          </a:xfrm>
-          <a:prstGeom prst="rect">
-            <a:avLst/>
-          </a:prstGeom>
-        </p:spPr>
-        <p:txBody>
-          <a:bodyPr wrap="square">
-            <a:spAutoFit/>
-          </a:bodyPr>
-          <a:lstStyle/>
-          <a:p>
-            <a:r>
-              <a:rPr lang="uk-UA" b="1" dirty="0" smtClean="0">
-                <a:ln w="10541" cmpd="sng">
-                  <a:solidFill>
-                    <a:schemeClr val="accent1">
-                      <a:shade val="88000"/>
-                      <a:satMod val="110000"/>
-                    </a:schemeClr>
-                  </a:solidFill>
-                  <a:prstDash val="solid"/>
-                </a:ln>
-                <a:solidFill>
-                  <a:sysClr val="windowText" lastClr="000000"/>
-                </a:solidFill>
-              </a:rPr>
-              <a:t>У </a:t>
-            </a:r>
-            <a:r>
-              <a:rPr lang="uk-UA" b="1" dirty="0" smtClean="0">
-                <a:ln w="10541" cmpd="sng">
-                  <a:solidFill>
-                    <a:schemeClr val="accent1">
-                      <a:shade val="88000"/>
-                      <a:satMod val="110000"/>
-                    </a:schemeClr>
-                  </a:solidFill>
-                  <a:prstDash val="solid"/>
-                </a:ln>
-                <a:solidFill>
-                  <a:sysClr val="windowText" lastClr="000000"/>
-                </a:solidFill>
-              </a:rPr>
-              <a:t>1900 р. Мак-Кінлі та Рузвельт перемогли на президентських виборах. 4 березня 1901 Мак-Кінлі обійняв посаду президента на другий термін, Рузвельт став віце-президентом. 5 вересня цього ж року на Мак-Кінлі було здійснено замах, а 14 вересня він помер від отриманої рани. Того ж дня Рузвельта було </a:t>
-            </a:r>
-            <a:r>
-              <a:rPr lang="uk-UA" b="1" dirty="0" err="1" smtClean="0">
-                <a:ln w="10541" cmpd="sng">
-                  <a:solidFill>
-                    <a:schemeClr val="accent1">
-                      <a:shade val="88000"/>
-                      <a:satMod val="110000"/>
-                    </a:schemeClr>
-                  </a:solidFill>
-                  <a:prstDash val="solid"/>
-                </a:ln>
-                <a:solidFill>
-                  <a:sysClr val="windowText" lastClr="000000"/>
-                </a:solidFill>
-              </a:rPr>
-              <a:t>номіновано</a:t>
-            </a:r>
-            <a:r>
-              <a:rPr lang="uk-UA" b="1" dirty="0" smtClean="0">
-                <a:ln w="10541" cmpd="sng">
-                  <a:solidFill>
-                    <a:schemeClr val="accent1">
-                      <a:shade val="88000"/>
-                      <a:satMod val="110000"/>
-                    </a:schemeClr>
-                  </a:solidFill>
-                  <a:prstDash val="solid"/>
-                </a:ln>
-                <a:solidFill>
-                  <a:sysClr val="windowText" lastClr="000000"/>
-                </a:solidFill>
-              </a:rPr>
-              <a:t> президентом. </a:t>
-            </a:r>
-          </a:p>
-        </p:txBody>
-      </p:sp>
-      <p:sp>
-        <p:nvSpPr>
-          <p:cNvPr id="7" name="Заголовок 6"/>
-          <p:cNvSpPr>
-            <a:spLocks noGrp="1"/>
-          </p:cNvSpPr>
-          <p:nvPr>
-            <p:ph type="title"/>
-          </p:nvPr>
-        </p:nvSpPr>
-        <p:spPr>
-          <a:xfrm>
-            <a:off x="629841" y="457199"/>
-            <a:ext cx="2949178" cy="1087821"/>
-          </a:xfrm>
-        </p:spPr>
-        <p:txBody>
-          <a:bodyPr>
-            <a:normAutofit/>
-          </a:bodyPr>
-          <a:lstStyle/>
-          <a:p>
-            <a:r>
-              <a:rPr lang="uk-UA" b="1" dirty="0" smtClean="0">
-                <a:ln w="10541" cmpd="sng">
-                  <a:solidFill>
-                    <a:schemeClr val="accent1">
-                      <a:shade val="88000"/>
-                      <a:satMod val="110000"/>
-                    </a:schemeClr>
-                  </a:solidFill>
-                  <a:prstDash val="solid"/>
-                </a:ln>
-                <a:gradFill>
-                  <a:gsLst>
-                    <a:gs pos="0">
-                      <a:schemeClr val="accent1">
-                        <a:tint val="40000"/>
-                        <a:satMod val="250000"/>
-                      </a:schemeClr>
-                    </a:gs>
-                    <a:gs pos="9000">
-                      <a:schemeClr val="accent1">
-                        <a:tint val="52000"/>
-                        <a:satMod val="300000"/>
-                      </a:schemeClr>
-                    </a:gs>
-                    <a:gs pos="50000">
-                      <a:schemeClr val="accent1">
-                        <a:shade val="20000"/>
-                        <a:satMod val="300000"/>
-                      </a:schemeClr>
-                    </a:gs>
-                    <a:gs pos="79000">
-                      <a:schemeClr val="accent1">
-                        <a:tint val="52000"/>
-                        <a:satMod val="300000"/>
-                      </a:schemeClr>
-                    </a:gs>
-                    <a:gs pos="100000">
-                      <a:schemeClr val="accent1">
-                        <a:tint val="40000"/>
-                        <a:satMod val="250000"/>
-                      </a:schemeClr>
-                    </a:gs>
-                  </a:gsLst>
-                  <a:lin ang="5400000"/>
-                </a:gradFill>
-              </a:rPr>
-              <a:t>Президент США</a:t>
-            </a:r>
-            <a:br>
-              <a:rPr lang="uk-UA" b="1" dirty="0" smtClean="0">
-                <a:ln w="10541" cmpd="sng">
-                  <a:solidFill>
-                    <a:schemeClr val="accent1">
-                      <a:shade val="88000"/>
-                      <a:satMod val="110000"/>
-                    </a:schemeClr>
-                  </a:solidFill>
-                  <a:prstDash val="solid"/>
-                </a:ln>
-                <a:gradFill>
-                  <a:gsLst>
-                    <a:gs pos="0">
-                      <a:schemeClr val="accent1">
-                        <a:tint val="40000"/>
-                        <a:satMod val="250000"/>
-                      </a:schemeClr>
-                    </a:gs>
-                    <a:gs pos="9000">
-                      <a:schemeClr val="accent1">
-                        <a:tint val="52000"/>
-                        <a:satMod val="300000"/>
-                      </a:schemeClr>
-                    </a:gs>
-                    <a:gs pos="50000">
-                      <a:schemeClr val="accent1">
-                        <a:shade val="20000"/>
-                        <a:satMod val="300000"/>
-                      </a:schemeClr>
-                    </a:gs>
-                    <a:gs pos="79000">
-                      <a:schemeClr val="accent1">
-                        <a:tint val="52000"/>
-                        <a:satMod val="300000"/>
-                      </a:schemeClr>
-                    </a:gs>
-                    <a:gs pos="100000">
-                      <a:schemeClr val="accent1">
-                        <a:tint val="40000"/>
-                        <a:satMod val="250000"/>
-                      </a:schemeClr>
-                    </a:gs>
-                  </a:gsLst>
-                  <a:lin ang="5400000"/>
-                </a:gradFill>
-              </a:rPr>
-            </a:br>
-            <a:endParaRPr lang="uk-UA" b="1" dirty="0">
-              <a:ln w="10541" cmpd="sng">
-                <a:solidFill>
-                  <a:schemeClr val="accent1">
-                    <a:shade val="88000"/>
-                    <a:satMod val="110000"/>
-                  </a:schemeClr>
-                </a:solidFill>
-                <a:prstDash val="solid"/>
-              </a:ln>
-              <a:gradFill>
-                <a:gsLst>
-                  <a:gs pos="0">
-                    <a:schemeClr val="accent1">
-                      <a:tint val="40000"/>
-                      <a:satMod val="250000"/>
-                    </a:schemeClr>
-                  </a:gs>
-                  <a:gs pos="9000">
-                    <a:schemeClr val="accent1">
-                      <a:tint val="52000"/>
-                      <a:satMod val="300000"/>
-                    </a:schemeClr>
-                  </a:gs>
-                  <a:gs pos="50000">
-                    <a:schemeClr val="accent1">
-                      <a:shade val="20000"/>
-                      <a:satMod val="300000"/>
-                    </a:schemeClr>
-                  </a:gs>
-                  <a:gs pos="79000">
-                    <a:schemeClr val="accent1">
-                      <a:tint val="52000"/>
-                      <a:satMod val="300000"/>
-                    </a:schemeClr>
-                  </a:gs>
-                  <a:gs pos="100000">
-                    <a:schemeClr val="accent1">
-                      <a:tint val="40000"/>
-                      <a:satMod val="250000"/>
-                    </a:schemeClr>
-                  </a:gs>
-                </a:gsLst>
-                <a:lin ang="5400000"/>
-              </a:gradFill>
-            </a:endParaRPr>
-          </a:p>
-        </p:txBody>
-      </p:sp>
-      <p:pic>
-        <p:nvPicPr>
-          <p:cNvPr id="3074" name="Picture 2" descr="C:\Users\pashtet\Downloads\unnamed.jpg"/>
-          <p:cNvPicPr>
-            <a:picLocks noChangeAspect="1" noChangeArrowheads="1"/>
-          </p:cNvPicPr>
-          <p:nvPr/>
-        </p:nvPicPr>
-        <p:blipFill>
-          <a:blip r:embed="rId2" cstate="print"/>
-          <a:srcRect/>
-          <a:stretch>
-            <a:fillRect/>
-          </a:stretch>
-        </p:blipFill>
-        <p:spPr bwMode="auto">
-          <a:xfrm>
-            <a:off x="3867805" y="1256315"/>
-            <a:ext cx="4876800" cy="2638425"/>
-          </a:xfrm>
-          <a:prstGeom prst="rect">
-            <a:avLst/>
-          </a:prstGeom>
-          <a:noFill/>
-        </p:spPr>
-      </p:pic>
-      <p:sp>
-        <p:nvSpPr>
-          <p:cNvPr id="11" name="Прямоугольник 10"/>
-          <p:cNvSpPr/>
-          <p:nvPr/>
-        </p:nvSpPr>
-        <p:spPr>
-          <a:xfrm>
-            <a:off x="210207" y="4420814"/>
-            <a:ext cx="6784428" cy="1200329"/>
-          </a:xfrm>
-          <a:prstGeom prst="rect">
-            <a:avLst/>
-          </a:prstGeom>
-        </p:spPr>
-        <p:txBody>
-          <a:bodyPr wrap="square">
-            <a:spAutoFit/>
-          </a:bodyPr>
-          <a:lstStyle/>
-          <a:p>
-            <a:r>
-              <a:rPr lang="uk-UA" b="1" dirty="0" smtClean="0">
-                <a:ln w="10541" cmpd="sng">
-                  <a:solidFill>
-                    <a:schemeClr val="accent1">
-                      <a:shade val="88000"/>
-                      <a:satMod val="110000"/>
-                    </a:schemeClr>
-                  </a:solidFill>
-                  <a:prstDash val="solid"/>
-                </a:ln>
-                <a:solidFill>
-                  <a:sysClr val="windowText" lastClr="000000"/>
-                </a:solidFill>
-              </a:rPr>
-              <a:t>Рузвельт продовжив курс Мак-Кінлі на відмову від ізоляціонізму і становлення Америки як світової </a:t>
-            </a:r>
-            <a:r>
-              <a:rPr lang="uk-UA" b="1" dirty="0" smtClean="0">
-                <a:ln w="10541" cmpd="sng">
-                  <a:solidFill>
-                    <a:schemeClr val="accent1">
-                      <a:shade val="88000"/>
-                      <a:satMod val="110000"/>
-                    </a:schemeClr>
-                  </a:solidFill>
-                  <a:prstDash val="solid"/>
-                </a:ln>
-                <a:solidFill>
-                  <a:sysClr val="windowText" lastClr="000000"/>
-                </a:solidFill>
-                <a:hlinkClick r:id="rId3" tooltip="Імперіалізм"/>
-              </a:rPr>
-              <a:t>імперіалістичної</a:t>
-            </a:r>
-            <a:r>
-              <a:rPr lang="uk-UA" b="1" dirty="0" smtClean="0">
-                <a:ln w="10541" cmpd="sng">
-                  <a:solidFill>
-                    <a:schemeClr val="accent1">
-                      <a:shade val="88000"/>
-                      <a:satMod val="110000"/>
-                    </a:schemeClr>
-                  </a:solidFill>
-                  <a:prstDash val="solid"/>
-                </a:ln>
-                <a:solidFill>
-                  <a:sysClr val="windowText" lastClr="000000"/>
-                </a:solidFill>
-              </a:rPr>
-              <a:t> держави, що активно діє у всьому світі. Йому належать висловлювання </a:t>
-            </a:r>
-            <a:r>
-              <a:rPr lang="uk-UA" b="1" dirty="0" smtClean="0">
-                <a:ln w="10541" cmpd="sng">
-                  <a:solidFill>
-                    <a:schemeClr val="accent1">
-                      <a:shade val="88000"/>
-                      <a:satMod val="110000"/>
-                    </a:schemeClr>
-                  </a:solidFill>
-                  <a:prstDash val="solid"/>
-                </a:ln>
-                <a:solidFill>
-                  <a:sysClr val="windowText" lastClr="000000"/>
-                </a:solidFill>
-                <a:hlinkClick r:id="rId4" tooltip="Політика великого кийка"/>
-              </a:rPr>
-              <a:t>«політика великого кийка»</a:t>
-            </a:r>
-            <a:r>
-              <a:rPr lang="uk-UA" b="1" dirty="0" smtClean="0">
-                <a:ln w="10541" cmpd="sng">
-                  <a:solidFill>
-                    <a:schemeClr val="accent1">
-                      <a:shade val="88000"/>
-                      <a:satMod val="110000"/>
-                    </a:schemeClr>
-                  </a:solidFill>
-                  <a:prstDash val="solid"/>
-                </a:ln>
-                <a:solidFill>
-                  <a:sysClr val="windowText" lastClr="000000"/>
-                </a:solidFill>
-              </a:rPr>
-              <a:t> і «світовий поліцейський». </a:t>
-            </a:r>
-            <a:endParaRPr lang="uk-UA" b="1" dirty="0" smtClean="0">
-              <a:ln w="10541" cmpd="sng">
-                <a:solidFill>
-                  <a:schemeClr val="accent1">
-                    <a:shade val="88000"/>
-                    <a:satMod val="110000"/>
-                  </a:schemeClr>
-                </a:solidFill>
-                <a:prstDash val="solid"/>
-              </a:ln>
-              <a:solidFill>
-                <a:sysClr val="windowText" lastClr="000000"/>
-              </a:solidFill>
-            </a:endParaRPr>
-          </a:p>
-        </p:txBody>
-      </p:sp>
-    </p:spTree>
-  </p:cSld>
-  <p:clrMapOvr>
-    <a:masterClrMapping/>
-  </p:clrMapOvr>
-</p:sld>
-</file>
-
-<file path=ppt/slides/slide6.xml><?xml version="1.0" encoding="utf-8"?>
-<p:sld xmlns:a="http://schemas.openxmlformats.org/drawingml/2006/main" xmlns:r="http://schemas.openxmlformats.org/officeDocument/2006/relationships" xmlns:p="http://schemas.openxmlformats.org/presentationml/2006/main">
-  <p:cSld>
-    <p:spTree>
-      <p:nvGrpSpPr>
-        <p:cNvPr id="1" name=""/>
-        <p:cNvGrpSpPr/>
-        <p:nvPr/>
-      </p:nvGrpSpPr>
-      <p:grpSpPr>
-        <a:xfrm>
-          <a:off x="0" y="0"/>
-          <a:ext cx="0" cy="0"/>
-          <a:chOff x="0" y="0"/>
-          <a:chExt cx="0" cy="0"/>
-        </a:xfrm>
-      </p:grpSpPr>
-      <p:sp>
-        <p:nvSpPr>
-          <p:cNvPr id="5" name="Прямоугольник 4"/>
-          <p:cNvSpPr/>
-          <p:nvPr/>
-        </p:nvSpPr>
-        <p:spPr>
-          <a:xfrm>
-            <a:off x="4430111" y="944959"/>
-            <a:ext cx="3746938" cy="5355312"/>
-          </a:xfrm>
-          <a:prstGeom prst="rect">
-            <a:avLst/>
-          </a:prstGeom>
-        </p:spPr>
-        <p:txBody>
-          <a:bodyPr wrap="square">
-            <a:spAutoFit/>
-          </a:bodyPr>
-          <a:lstStyle/>
-          <a:p>
-            <a:r>
-              <a:rPr lang="uk-UA" b="1" dirty="0" smtClean="0">
-                <a:ln w="10541" cmpd="sng">
-                  <a:solidFill>
-                    <a:schemeClr val="accent1">
-                      <a:shade val="88000"/>
-                      <a:satMod val="110000"/>
-                    </a:schemeClr>
-                  </a:solidFill>
-                  <a:prstDash val="solid"/>
-                </a:ln>
-                <a:solidFill>
-                  <a:sysClr val="windowText" lastClr="000000"/>
-                </a:solidFill>
-              </a:rPr>
-              <a:t>У 1908 році Рузвельт поступився президентським постом своєму близькому співробітнику Вільяму Тафту, збираючись у 1912 році висунути свою кандидатуру на новий термін після перерви. Після того, як більшість членів Республіканської партії не підтримали його в цій ініціативі, а висунула на другий термін Тафта, Рузвельт розколов партію і створив нову Прогресивну партію, від якої і виступив на виборах 1912 року. Цей розкол призвів до того, що переміг кандидат Демократичної партії </a:t>
-            </a:r>
-            <a:r>
-              <a:rPr lang="uk-UA" b="1" dirty="0" err="1" smtClean="0">
-                <a:ln w="10541" cmpd="sng">
-                  <a:solidFill>
-                    <a:schemeClr val="accent1">
-                      <a:shade val="88000"/>
-                      <a:satMod val="110000"/>
-                    </a:schemeClr>
-                  </a:solidFill>
-                  <a:prstDash val="solid"/>
-                </a:ln>
-                <a:solidFill>
-                  <a:sysClr val="windowText" lastClr="000000"/>
-                </a:solidFill>
-              </a:rPr>
-              <a:t>Вудро</a:t>
-            </a:r>
-            <a:r>
-              <a:rPr lang="uk-UA" b="1" dirty="0" smtClean="0">
-                <a:ln w="10541" cmpd="sng">
-                  <a:solidFill>
-                    <a:schemeClr val="accent1">
-                      <a:shade val="88000"/>
-                      <a:satMod val="110000"/>
-                    </a:schemeClr>
-                  </a:solidFill>
-                  <a:prstDash val="solid"/>
-                </a:ln>
-                <a:solidFill>
-                  <a:sysClr val="windowText" lastClr="000000"/>
-                </a:solidFill>
-              </a:rPr>
-              <a:t> </a:t>
-            </a:r>
-            <a:r>
-              <a:rPr lang="uk-UA" b="1" dirty="0" smtClean="0">
-                <a:ln w="10541" cmpd="sng">
-                  <a:solidFill>
-                    <a:schemeClr val="accent1">
-                      <a:shade val="88000"/>
-                      <a:satMod val="110000"/>
-                    </a:schemeClr>
-                  </a:solidFill>
-                  <a:prstDash val="solid"/>
-                </a:ln>
-                <a:solidFill>
-                  <a:sysClr val="windowText" lastClr="000000"/>
-                </a:solidFill>
-              </a:rPr>
-              <a:t>Вільсон.  </a:t>
-            </a:r>
-            <a:r>
-              <a:rPr lang="uk-UA" b="1" dirty="0" smtClean="0">
-                <a:ln w="10541" cmpd="sng">
-                  <a:solidFill>
-                    <a:schemeClr val="accent1">
-                      <a:shade val="88000"/>
-                      <a:satMod val="110000"/>
-                    </a:schemeClr>
-                  </a:solidFill>
-                  <a:prstDash val="solid"/>
-                </a:ln>
-                <a:solidFill>
-                  <a:sysClr val="windowText" lastClr="000000"/>
-                </a:solidFill>
-              </a:rPr>
-              <a:t>У січні 1919 року Теодор Рузвельт помер від </a:t>
-            </a:r>
-            <a:r>
-              <a:rPr lang="uk-UA" b="1" dirty="0" err="1" smtClean="0">
-                <a:ln w="10541" cmpd="sng">
-                  <a:solidFill>
-                    <a:schemeClr val="accent1">
-                      <a:shade val="88000"/>
-                      <a:satMod val="110000"/>
-                    </a:schemeClr>
-                  </a:solidFill>
-                  <a:prstDash val="solid"/>
-                </a:ln>
-                <a:solidFill>
-                  <a:sysClr val="windowText" lastClr="000000"/>
-                </a:solidFill>
-              </a:rPr>
-              <a:t>тромбоемболії</a:t>
-            </a:r>
-            <a:r>
-              <a:rPr lang="uk-UA" b="1" dirty="0" smtClean="0">
-                <a:ln w="10541" cmpd="sng">
-                  <a:solidFill>
-                    <a:schemeClr val="accent1">
-                      <a:shade val="88000"/>
-                      <a:satMod val="110000"/>
-                    </a:schemeClr>
-                  </a:solidFill>
-                  <a:prstDash val="solid"/>
-                </a:ln>
-                <a:solidFill>
-                  <a:sysClr val="windowText" lastClr="000000"/>
-                </a:solidFill>
-              </a:rPr>
-              <a:t> легеневої артерії уві сні, в своєму маєтку в </a:t>
-            </a:r>
-            <a:r>
-              <a:rPr lang="uk-UA" b="1" dirty="0" err="1" smtClean="0">
-                <a:ln w="10541" cmpd="sng">
-                  <a:solidFill>
-                    <a:schemeClr val="accent1">
-                      <a:shade val="88000"/>
-                      <a:satMod val="110000"/>
-                    </a:schemeClr>
-                  </a:solidFill>
-                  <a:prstDash val="solid"/>
-                </a:ln>
-                <a:solidFill>
-                  <a:sysClr val="windowText" lastClr="000000"/>
-                </a:solidFill>
-              </a:rPr>
-              <a:t>Ойстер-Бей</a:t>
-            </a:r>
-            <a:r>
-              <a:rPr lang="uk-UA" b="1" dirty="0" smtClean="0">
-                <a:ln w="10541" cmpd="sng">
-                  <a:solidFill>
-                    <a:schemeClr val="accent1">
-                      <a:shade val="88000"/>
-                      <a:satMod val="110000"/>
-                    </a:schemeClr>
-                  </a:solidFill>
-                  <a:prstDash val="solid"/>
-                </a:ln>
-                <a:solidFill>
-                  <a:sysClr val="windowText" lastClr="000000"/>
-                </a:solidFill>
-              </a:rPr>
-              <a:t>.</a:t>
-            </a:r>
-            <a:endParaRPr lang="uk-UA" b="1" dirty="0">
-              <a:ln w="10541" cmpd="sng">
-                <a:solidFill>
-                  <a:schemeClr val="accent1">
-                    <a:shade val="88000"/>
-                    <a:satMod val="110000"/>
-                  </a:schemeClr>
-                </a:solidFill>
-                <a:prstDash val="solid"/>
-              </a:ln>
-              <a:solidFill>
-                <a:sysClr val="windowText" lastClr="000000"/>
-              </a:solidFill>
-            </a:endParaRPr>
-          </a:p>
-        </p:txBody>
-      </p:sp>
-      <p:pic>
-        <p:nvPicPr>
-          <p:cNvPr id="4098" name="Picture 2" descr="C:\Users\pashtet\Downloads\index.jpg"/>
-          <p:cNvPicPr>
-            <a:picLocks noChangeAspect="1" noChangeArrowheads="1"/>
-          </p:cNvPicPr>
-          <p:nvPr/>
-        </p:nvPicPr>
-        <p:blipFill>
-          <a:blip r:embed="rId2" cstate="print"/>
-          <a:srcRect/>
-          <a:stretch>
-            <a:fillRect/>
-          </a:stretch>
-        </p:blipFill>
-        <p:spPr bwMode="auto">
-          <a:xfrm>
-            <a:off x="725214" y="1939762"/>
-            <a:ext cx="3092366" cy="3777866"/>
-          </a:xfrm>
-          <a:prstGeom prst="rect">
-            <a:avLst/>
-          </a:prstGeom>
-          <a:noFill/>
-        </p:spPr>
-      </p:pic>
-      <p:sp>
-        <p:nvSpPr>
-          <p:cNvPr id="7" name="Заголовок 6"/>
-          <p:cNvSpPr>
-            <a:spLocks noGrp="1"/>
-          </p:cNvSpPr>
-          <p:nvPr>
-            <p:ph type="title"/>
-          </p:nvPr>
-        </p:nvSpPr>
-        <p:spPr>
-          <a:xfrm>
-            <a:off x="482696" y="672662"/>
-            <a:ext cx="3837057" cy="638503"/>
-          </a:xfrm>
-        </p:spPr>
-        <p:txBody>
-          <a:bodyPr/>
-          <a:lstStyle/>
-          <a:p>
-            <a:r>
-              <a:rPr lang="uk-UA" b="1" dirty="0" smtClean="0">
-                <a:ln w="10541" cmpd="sng">
-                  <a:solidFill>
-                    <a:schemeClr val="accent1">
-                      <a:shade val="88000"/>
-                      <a:satMod val="110000"/>
-                    </a:schemeClr>
-                  </a:solidFill>
-                  <a:prstDash val="solid"/>
-                </a:ln>
-                <a:gradFill>
-                  <a:gsLst>
-                    <a:gs pos="0">
-                      <a:schemeClr val="accent1">
-                        <a:tint val="40000"/>
-                        <a:satMod val="250000"/>
-                      </a:schemeClr>
-                    </a:gs>
-                    <a:gs pos="9000">
-                      <a:schemeClr val="accent1">
-                        <a:tint val="52000"/>
-                        <a:satMod val="300000"/>
-                      </a:schemeClr>
-                    </a:gs>
-                    <a:gs pos="50000">
-                      <a:schemeClr val="accent1">
-                        <a:shade val="20000"/>
-                        <a:satMod val="300000"/>
-                      </a:schemeClr>
-                    </a:gs>
-                    <a:gs pos="79000">
-                      <a:schemeClr val="accent1">
-                        <a:tint val="52000"/>
-                        <a:satMod val="300000"/>
-                      </a:schemeClr>
-                    </a:gs>
-                    <a:gs pos="100000">
-                      <a:schemeClr val="accent1">
-                        <a:tint val="40000"/>
-                        <a:satMod val="250000"/>
-                      </a:schemeClr>
-                    </a:gs>
-                  </a:gsLst>
-                  <a:lin ang="5400000"/>
-                </a:gradFill>
-              </a:rPr>
-              <a:t>Після президентства</a:t>
-            </a:r>
-            <a:endParaRPr lang="uk-UA" b="1" dirty="0">
-              <a:ln w="10541" cmpd="sng">
-                <a:solidFill>
-                  <a:schemeClr val="accent1">
-                    <a:shade val="88000"/>
-                    <a:satMod val="110000"/>
-                  </a:schemeClr>
-                </a:solidFill>
-                <a:prstDash val="solid"/>
-              </a:ln>
-              <a:gradFill>
-                <a:gsLst>
-                  <a:gs pos="0">
-                    <a:schemeClr val="accent1">
-                      <a:tint val="40000"/>
-                      <a:satMod val="250000"/>
-                    </a:schemeClr>
-                  </a:gs>
-                  <a:gs pos="9000">
-                    <a:schemeClr val="accent1">
-                      <a:tint val="52000"/>
-                      <a:satMod val="300000"/>
-                    </a:schemeClr>
-                  </a:gs>
-                  <a:gs pos="50000">
-                    <a:schemeClr val="accent1">
-                      <a:shade val="20000"/>
-                      <a:satMod val="300000"/>
-                    </a:schemeClr>
-                  </a:gs>
-                  <a:gs pos="79000">
-                    <a:schemeClr val="accent1">
-                      <a:tint val="52000"/>
-                      <a:satMod val="300000"/>
-                    </a:schemeClr>
-                  </a:gs>
-                  <a:gs pos="100000">
-                    <a:schemeClr val="accent1">
-                      <a:tint val="40000"/>
-                      <a:satMod val="250000"/>
-                    </a:schemeClr>
-                  </a:gs>
-                </a:gsLst>
-                <a:lin ang="5400000"/>
-              </a:gradFill>
-            </a:endParaRPr>
-          </a:p>
-        </p:txBody>
-      </p:sp>
-    </p:spTree>
-  </p:cSld>
-  <p:clrMapOvr>
-    <a:masterClrMapping/>
-  </p:clrMapOvr>
-</p:sld>
-</file>
-
-<file path=ppt/slides/slide7.xml><?xml version="1.0" encoding="utf-8"?>
-<p:sld xmlns:a="http://schemas.openxmlformats.org/drawingml/2006/main" xmlns:r="http://schemas.openxmlformats.org/officeDocument/2006/relationships" xmlns:p="http://schemas.openxmlformats.org/presentationml/2006/main">
-  <p:cSld>
-    <p:spTree>
-      <p:nvGrpSpPr>
-        <p:cNvPr id="1" name=""/>
-        <p:cNvGrpSpPr/>
-        <p:nvPr/>
-      </p:nvGrpSpPr>
-      <p:grpSpPr>
-        <a:xfrm>
-          <a:off x="0" y="0"/>
-          <a:ext cx="0" cy="0"/>
-          <a:chOff x="0" y="0"/>
-          <a:chExt cx="0" cy="0"/>
-        </a:xfrm>
-      </p:grpSpPr>
-      <p:sp>
-        <p:nvSpPr>
-          <p:cNvPr id="5" name="Прямоугольник 4"/>
-          <p:cNvSpPr/>
-          <p:nvPr/>
-        </p:nvSpPr>
-        <p:spPr>
-          <a:xfrm>
-            <a:off x="2091559" y="2433330"/>
-            <a:ext cx="5433848" cy="923330"/>
-          </a:xfrm>
-          <a:prstGeom prst="rect">
-            <a:avLst/>
-          </a:prstGeom>
-        </p:spPr>
-        <p:txBody>
-          <a:bodyPr wrap="square">
-            <a:spAutoFit/>
-          </a:bodyPr>
-          <a:lstStyle/>
-          <a:p>
-            <a:r>
-              <a:rPr lang="uk-UA" sz="5400" b="1" dirty="0" smtClean="0">
-                <a:ln w="9525">
-                  <a:solidFill>
-                    <a:schemeClr val="bg1"/>
-                  </a:solidFill>
-                  <a:prstDash val="solid"/>
-                </a:ln>
-                <a:solidFill>
-                  <a:srgbClr val="004E86"/>
-                </a:solidFill>
-                <a:effectLst>
-                  <a:outerShdw blurRad="12700" dist="38100" dir="2700000" algn="tl" rotWithShape="0">
-                    <a:schemeClr val="bg1">
-                      <a:lumMod val="50000"/>
-                    </a:schemeClr>
-                  </a:outerShdw>
-                </a:effectLst>
-                <a:latin typeface="Arial" panose="020B0604020202020204" pitchFamily="34" charset="0"/>
-                <a:cs typeface="Arial" panose="020B0604020202020204" pitchFamily="34" charset="0"/>
-              </a:rPr>
-              <a:t>Дякую за увагу</a:t>
-            </a:r>
-            <a:endParaRPr lang="uk-UA" sz="5400" b="1" dirty="0">
-              <a:ln w="10541" cmpd="sng">
-                <a:solidFill>
-                  <a:schemeClr val="accent1">
-                    <a:shade val="88000"/>
-                    <a:satMod val="110000"/>
-                  </a:schemeClr>
-                </a:solidFill>
-                <a:prstDash val="solid"/>
-              </a:ln>
-              <a:gradFill>
-                <a:gsLst>
-                  <a:gs pos="0">
-                    <a:schemeClr val="accent1">
-                      <a:tint val="40000"/>
-                      <a:satMod val="250000"/>
-                    </a:schemeClr>
-                  </a:gs>
-                  <a:gs pos="9000">
-                    <a:schemeClr val="accent1">
-                      <a:tint val="52000"/>
-                      <a:satMod val="300000"/>
-                    </a:schemeClr>
-                  </a:gs>
-                  <a:gs pos="50000">
-                    <a:schemeClr val="accent1">
-                      <a:shade val="20000"/>
-                      <a:satMod val="300000"/>
-                    </a:schemeClr>
-                  </a:gs>
-                  <a:gs pos="79000">
-                    <a:schemeClr val="accent1">
-                      <a:tint val="52000"/>
-                      <a:satMod val="300000"/>
-                    </a:schemeClr>
-                  </a:gs>
-                  <a:gs pos="100000">
-                    <a:schemeClr val="accent1">
-                      <a:tint val="40000"/>
-                      <a:satMod val="250000"/>
-                    </a:schemeClr>
-                  </a:gs>
-                </a:gsLst>
-                <a:lin ang="5400000"/>
-              </a:gradFill>
-            </a:endParaRPr>
-          </a:p>
-        </p:txBody>
-      </p:sp>
     </p:spTree>
   </p:cSld>
   <p:clrMapOvr>
@@ -5571,11 +3250,9 @@
       </a:bgFillStyleLst>
     </a:fmtScheme>
   </a:themeElements>
-  <a:objectDefaults/>
-  <a:extraClrSchemeLst/>
   <a:extLst>
     <a:ext uri="{05A4C25C-085E-4340-85A3-A5531E510DB2}">
-      <thm15:themeFamily xmlns="" xmlns:thm15="http://schemas.microsoft.com/office/thememl/2012/main" name="Office Theme" id="{62F939B6-93AF-4DB8-9C6B-D6C7DFDC589F}" vid="{4A3C46E8-61CC-4603-A589-7422A47A8E4A}"/>
+      <thm15:themeFamily xmlns:thm15="http://schemas.microsoft.com/office/thememl/2012/main" name="Office Theme" id="{62F939B6-93AF-4DB8-9C6B-D6C7DFDC589F}" vid="{4A3C46E8-61CC-4603-A589-7422A47A8E4A}"/>
     </a:ext>
   </a:extLst>
 </a:theme>
